--- a/05_ReleaseDocs/Initial Release_3_10_2017/Presentation.pptx
+++ b/05_ReleaseDocs/Initial Release_3_10_2017/Presentation.pptx
@@ -4,10 +4,17 @@
   <p:sldMasterIdLst>
     <p:sldMasterId id="2147483672" r:id="rId1"/>
   </p:sldMasterIdLst>
+  <p:notesMasterIdLst>
+    <p:notesMasterId r:id="rId9"/>
+  </p:notesMasterIdLst>
   <p:sldIdLst>
     <p:sldId id="256" r:id="rId2"/>
     <p:sldId id="257" r:id="rId3"/>
     <p:sldId id="258" r:id="rId4"/>
+    <p:sldId id="259" r:id="rId5"/>
+    <p:sldId id="260" r:id="rId6"/>
+    <p:sldId id="261" r:id="rId7"/>
+    <p:sldId id="262" r:id="rId8"/>
   </p:sldIdLst>
   <p:sldSz cx="9144000" cy="6858000" type="screen4x3"/>
   <p:notesSz cx="6858000" cy="9144000"/>
@@ -125,6 +132,440 @@
 </p:presentation>
 </file>
 
+<file path=ppt/notesMasters/notesMaster1.xml><?xml version="1.0" encoding="utf-8"?>
+<p:notesMaster xmlns:a="http://schemas.openxmlformats.org/drawingml/2006/main" xmlns:r="http://schemas.openxmlformats.org/officeDocument/2006/relationships" xmlns:p="http://schemas.openxmlformats.org/presentationml/2006/main">
+  <p:cSld>
+    <p:bg>
+      <p:bgRef idx="1001">
+        <a:schemeClr val="bg1"/>
+      </p:bgRef>
+    </p:bg>
+    <p:spTree>
+      <p:nvGrpSpPr>
+        <p:cNvPr id="1" name=""/>
+        <p:cNvGrpSpPr/>
+        <p:nvPr/>
+      </p:nvGrpSpPr>
+      <p:grpSpPr>
+        <a:xfrm>
+          <a:off x="0" y="0"/>
+          <a:ext cx="0" cy="0"/>
+          <a:chOff x="0" y="0"/>
+          <a:chExt cx="0" cy="0"/>
+        </a:xfrm>
+      </p:grpSpPr>
+      <p:sp>
+        <p:nvSpPr>
+          <p:cNvPr id="2" name="Kopfzeilenplatzhalter 1"/>
+          <p:cNvSpPr>
+            <a:spLocks noGrp="1"/>
+          </p:cNvSpPr>
+          <p:nvPr>
+            <p:ph type="hdr" sz="quarter"/>
+          </p:nvPr>
+        </p:nvSpPr>
+        <p:spPr>
+          <a:xfrm>
+            <a:off x="0" y="0"/>
+            <a:ext cx="2971800" cy="458788"/>
+          </a:xfrm>
+          <a:prstGeom prst="rect">
+            <a:avLst/>
+          </a:prstGeom>
+        </p:spPr>
+        <p:txBody>
+          <a:bodyPr vert="horz" lIns="91440" tIns="45720" rIns="91440" bIns="45720" rtlCol="0"/>
+          <a:lstStyle>
+            <a:lvl1pPr algn="l">
+              <a:defRPr sz="1200"/>
+            </a:lvl1pPr>
+          </a:lstStyle>
+          <a:p>
+            <a:endParaRPr lang="de-AT"/>
+          </a:p>
+        </p:txBody>
+      </p:sp>
+      <p:sp>
+        <p:nvSpPr>
+          <p:cNvPr id="3" name="Datumsplatzhalter 2"/>
+          <p:cNvSpPr>
+            <a:spLocks noGrp="1"/>
+          </p:cNvSpPr>
+          <p:nvPr>
+            <p:ph type="dt" idx="1"/>
+          </p:nvPr>
+        </p:nvSpPr>
+        <p:spPr>
+          <a:xfrm>
+            <a:off x="3884613" y="0"/>
+            <a:ext cx="2971800" cy="458788"/>
+          </a:xfrm>
+          <a:prstGeom prst="rect">
+            <a:avLst/>
+          </a:prstGeom>
+        </p:spPr>
+        <p:txBody>
+          <a:bodyPr vert="horz" lIns="91440" tIns="45720" rIns="91440" bIns="45720" rtlCol="0"/>
+          <a:lstStyle>
+            <a:lvl1pPr algn="r">
+              <a:defRPr sz="1200"/>
+            </a:lvl1pPr>
+          </a:lstStyle>
+          <a:p>
+            <a:fld id="{5170B6F5-FF4F-4777-9DC9-C1C2118EDDF6}" type="datetimeFigureOut">
+              <a:rPr lang="de-AT" smtClean="0"/>
+              <a:t>02.10.2017</a:t>
+            </a:fld>
+            <a:endParaRPr lang="de-AT"/>
+          </a:p>
+        </p:txBody>
+      </p:sp>
+      <p:sp>
+        <p:nvSpPr>
+          <p:cNvPr id="4" name="Folienbildplatzhalter 3"/>
+          <p:cNvSpPr>
+            <a:spLocks noGrp="1" noRot="1" noChangeAspect="1"/>
+          </p:cNvSpPr>
+          <p:nvPr>
+            <p:ph type="sldImg" idx="2"/>
+          </p:nvPr>
+        </p:nvSpPr>
+        <p:spPr>
+          <a:xfrm>
+            <a:off x="1371600" y="1143000"/>
+            <a:ext cx="4114800" cy="3086100"/>
+          </a:xfrm>
+          <a:prstGeom prst="rect">
+            <a:avLst/>
+          </a:prstGeom>
+          <a:noFill/>
+          <a:ln w="12700">
+            <a:solidFill>
+              <a:prstClr val="black"/>
+            </a:solidFill>
+          </a:ln>
+        </p:spPr>
+        <p:txBody>
+          <a:bodyPr vert="horz" lIns="91440" tIns="45720" rIns="91440" bIns="45720" rtlCol="0" anchor="ctr"/>
+          <a:lstStyle/>
+          <a:p>
+            <a:endParaRPr lang="de-AT"/>
+          </a:p>
+        </p:txBody>
+      </p:sp>
+      <p:sp>
+        <p:nvSpPr>
+          <p:cNvPr id="5" name="Notizenplatzhalter 4"/>
+          <p:cNvSpPr>
+            <a:spLocks noGrp="1"/>
+          </p:cNvSpPr>
+          <p:nvPr>
+            <p:ph type="body" sz="quarter" idx="3"/>
+          </p:nvPr>
+        </p:nvSpPr>
+        <p:spPr>
+          <a:xfrm>
+            <a:off x="685800" y="4400550"/>
+            <a:ext cx="5486400" cy="3600450"/>
+          </a:xfrm>
+          <a:prstGeom prst="rect">
+            <a:avLst/>
+          </a:prstGeom>
+        </p:spPr>
+        <p:txBody>
+          <a:bodyPr vert="horz" lIns="91440" tIns="45720" rIns="91440" bIns="45720" rtlCol="0"/>
+          <a:lstStyle/>
+          <a:p>
+            <a:pPr lvl="0"/>
+            <a:r>
+              <a:rPr lang="de-DE" smtClean="0"/>
+              <a:t>Textmasterformat bearbeiten</a:t>
+            </a:r>
+          </a:p>
+          <a:p>
+            <a:pPr lvl="1"/>
+            <a:r>
+              <a:rPr lang="de-DE" smtClean="0"/>
+              <a:t>Zweite Ebene</a:t>
+            </a:r>
+          </a:p>
+          <a:p>
+            <a:pPr lvl="2"/>
+            <a:r>
+              <a:rPr lang="de-DE" smtClean="0"/>
+              <a:t>Dritte Ebene</a:t>
+            </a:r>
+          </a:p>
+          <a:p>
+            <a:pPr lvl="3"/>
+            <a:r>
+              <a:rPr lang="de-DE" smtClean="0"/>
+              <a:t>Vierte Ebene</a:t>
+            </a:r>
+          </a:p>
+          <a:p>
+            <a:pPr lvl="4"/>
+            <a:r>
+              <a:rPr lang="de-DE" smtClean="0"/>
+              <a:t>Fünfte Ebene</a:t>
+            </a:r>
+            <a:endParaRPr lang="de-AT"/>
+          </a:p>
+        </p:txBody>
+      </p:sp>
+      <p:sp>
+        <p:nvSpPr>
+          <p:cNvPr id="6" name="Fußzeilenplatzhalter 5"/>
+          <p:cNvSpPr>
+            <a:spLocks noGrp="1"/>
+          </p:cNvSpPr>
+          <p:nvPr>
+            <p:ph type="ftr" sz="quarter" idx="4"/>
+          </p:nvPr>
+        </p:nvSpPr>
+        <p:spPr>
+          <a:xfrm>
+            <a:off x="0" y="8685213"/>
+            <a:ext cx="2971800" cy="458787"/>
+          </a:xfrm>
+          <a:prstGeom prst="rect">
+            <a:avLst/>
+          </a:prstGeom>
+        </p:spPr>
+        <p:txBody>
+          <a:bodyPr vert="horz" lIns="91440" tIns="45720" rIns="91440" bIns="45720" rtlCol="0" anchor="b"/>
+          <a:lstStyle>
+            <a:lvl1pPr algn="l">
+              <a:defRPr sz="1200"/>
+            </a:lvl1pPr>
+          </a:lstStyle>
+          <a:p>
+            <a:endParaRPr lang="de-AT"/>
+          </a:p>
+        </p:txBody>
+      </p:sp>
+      <p:sp>
+        <p:nvSpPr>
+          <p:cNvPr id="7" name="Foliennummernplatzhalter 6"/>
+          <p:cNvSpPr>
+            <a:spLocks noGrp="1"/>
+          </p:cNvSpPr>
+          <p:nvPr>
+            <p:ph type="sldNum" sz="quarter" idx="5"/>
+          </p:nvPr>
+        </p:nvSpPr>
+        <p:spPr>
+          <a:xfrm>
+            <a:off x="3884613" y="8685213"/>
+            <a:ext cx="2971800" cy="458787"/>
+          </a:xfrm>
+          <a:prstGeom prst="rect">
+            <a:avLst/>
+          </a:prstGeom>
+        </p:spPr>
+        <p:txBody>
+          <a:bodyPr vert="horz" lIns="91440" tIns="45720" rIns="91440" bIns="45720" rtlCol="0" anchor="b"/>
+          <a:lstStyle>
+            <a:lvl1pPr algn="r">
+              <a:defRPr sz="1200"/>
+            </a:lvl1pPr>
+          </a:lstStyle>
+          <a:p>
+            <a:fld id="{16A461EC-90F5-492A-8AF5-8603737FC93A}" type="slidenum">
+              <a:rPr lang="de-AT" smtClean="0"/>
+              <a:t>‹Nr.›</a:t>
+            </a:fld>
+            <a:endParaRPr lang="de-AT"/>
+          </a:p>
+        </p:txBody>
+      </p:sp>
+    </p:spTree>
+    <p:extLst>
+      <p:ext uri="{BB962C8B-B14F-4D97-AF65-F5344CB8AC3E}">
+        <p14:creationId xmlns:p14="http://schemas.microsoft.com/office/powerpoint/2010/main" val="2684882008"/>
+      </p:ext>
+    </p:extLst>
+  </p:cSld>
+  <p:clrMap bg1="lt1" tx1="dk1" bg2="lt2" tx2="dk2" accent1="accent1" accent2="accent2" accent3="accent3" accent4="accent4" accent5="accent5" accent6="accent6" hlink="hlink" folHlink="folHlink"/>
+  <p:notesStyle>
+    <a:lvl1pPr marL="0" algn="l" defTabSz="914400" rtl="0" eaLnBrk="1" latinLnBrk="0" hangingPunct="1">
+      <a:defRPr sz="1200" kern="1200">
+        <a:solidFill>
+          <a:schemeClr val="tx1"/>
+        </a:solidFill>
+        <a:latin typeface="+mn-lt"/>
+        <a:ea typeface="+mn-ea"/>
+        <a:cs typeface="+mn-cs"/>
+      </a:defRPr>
+    </a:lvl1pPr>
+    <a:lvl2pPr marL="457200" algn="l" defTabSz="914400" rtl="0" eaLnBrk="1" latinLnBrk="0" hangingPunct="1">
+      <a:defRPr sz="1200" kern="1200">
+        <a:solidFill>
+          <a:schemeClr val="tx1"/>
+        </a:solidFill>
+        <a:latin typeface="+mn-lt"/>
+        <a:ea typeface="+mn-ea"/>
+        <a:cs typeface="+mn-cs"/>
+      </a:defRPr>
+    </a:lvl2pPr>
+    <a:lvl3pPr marL="914400" algn="l" defTabSz="914400" rtl="0" eaLnBrk="1" latinLnBrk="0" hangingPunct="1">
+      <a:defRPr sz="1200" kern="1200">
+        <a:solidFill>
+          <a:schemeClr val="tx1"/>
+        </a:solidFill>
+        <a:latin typeface="+mn-lt"/>
+        <a:ea typeface="+mn-ea"/>
+        <a:cs typeface="+mn-cs"/>
+      </a:defRPr>
+    </a:lvl3pPr>
+    <a:lvl4pPr marL="1371600" algn="l" defTabSz="914400" rtl="0" eaLnBrk="1" latinLnBrk="0" hangingPunct="1">
+      <a:defRPr sz="1200" kern="1200">
+        <a:solidFill>
+          <a:schemeClr val="tx1"/>
+        </a:solidFill>
+        <a:latin typeface="+mn-lt"/>
+        <a:ea typeface="+mn-ea"/>
+        <a:cs typeface="+mn-cs"/>
+      </a:defRPr>
+    </a:lvl4pPr>
+    <a:lvl5pPr marL="1828800" algn="l" defTabSz="914400" rtl="0" eaLnBrk="1" latinLnBrk="0" hangingPunct="1">
+      <a:defRPr sz="1200" kern="1200">
+        <a:solidFill>
+          <a:schemeClr val="tx1"/>
+        </a:solidFill>
+        <a:latin typeface="+mn-lt"/>
+        <a:ea typeface="+mn-ea"/>
+        <a:cs typeface="+mn-cs"/>
+      </a:defRPr>
+    </a:lvl5pPr>
+    <a:lvl6pPr marL="2286000" algn="l" defTabSz="914400" rtl="0" eaLnBrk="1" latinLnBrk="0" hangingPunct="1">
+      <a:defRPr sz="1200" kern="1200">
+        <a:solidFill>
+          <a:schemeClr val="tx1"/>
+        </a:solidFill>
+        <a:latin typeface="+mn-lt"/>
+        <a:ea typeface="+mn-ea"/>
+        <a:cs typeface="+mn-cs"/>
+      </a:defRPr>
+    </a:lvl6pPr>
+    <a:lvl7pPr marL="2743200" algn="l" defTabSz="914400" rtl="0" eaLnBrk="1" latinLnBrk="0" hangingPunct="1">
+      <a:defRPr sz="1200" kern="1200">
+        <a:solidFill>
+          <a:schemeClr val="tx1"/>
+        </a:solidFill>
+        <a:latin typeface="+mn-lt"/>
+        <a:ea typeface="+mn-ea"/>
+        <a:cs typeface="+mn-cs"/>
+      </a:defRPr>
+    </a:lvl7pPr>
+    <a:lvl8pPr marL="3200400" algn="l" defTabSz="914400" rtl="0" eaLnBrk="1" latinLnBrk="0" hangingPunct="1">
+      <a:defRPr sz="1200" kern="1200">
+        <a:solidFill>
+          <a:schemeClr val="tx1"/>
+        </a:solidFill>
+        <a:latin typeface="+mn-lt"/>
+        <a:ea typeface="+mn-ea"/>
+        <a:cs typeface="+mn-cs"/>
+      </a:defRPr>
+    </a:lvl8pPr>
+    <a:lvl9pPr marL="3657600" algn="l" defTabSz="914400" rtl="0" eaLnBrk="1" latinLnBrk="0" hangingPunct="1">
+      <a:defRPr sz="1200" kern="1200">
+        <a:solidFill>
+          <a:schemeClr val="tx1"/>
+        </a:solidFill>
+        <a:latin typeface="+mn-lt"/>
+        <a:ea typeface="+mn-ea"/>
+        <a:cs typeface="+mn-cs"/>
+      </a:defRPr>
+    </a:lvl9pPr>
+  </p:notesStyle>
+</p:notesMaster>
+</file>
+
+<file path=ppt/notesSlides/notesSlide1.xml><?xml version="1.0" encoding="utf-8"?>
+<p:notes xmlns:a="http://schemas.openxmlformats.org/drawingml/2006/main" xmlns:r="http://schemas.openxmlformats.org/officeDocument/2006/relationships" xmlns:p="http://schemas.openxmlformats.org/presentationml/2006/main">
+  <p:cSld>
+    <p:spTree>
+      <p:nvGrpSpPr>
+        <p:cNvPr id="1" name=""/>
+        <p:cNvGrpSpPr/>
+        <p:nvPr/>
+      </p:nvGrpSpPr>
+      <p:grpSpPr>
+        <a:xfrm>
+          <a:off x="0" y="0"/>
+          <a:ext cx="0" cy="0"/>
+          <a:chOff x="0" y="0"/>
+          <a:chExt cx="0" cy="0"/>
+        </a:xfrm>
+      </p:grpSpPr>
+      <p:sp>
+        <p:nvSpPr>
+          <p:cNvPr id="2" name="Folienbildplatzhalter 1"/>
+          <p:cNvSpPr>
+            <a:spLocks noGrp="1" noRot="1" noChangeAspect="1"/>
+          </p:cNvSpPr>
+          <p:nvPr>
+            <p:ph type="sldImg"/>
+          </p:nvPr>
+        </p:nvSpPr>
+        <p:spPr/>
+      </p:sp>
+      <p:sp>
+        <p:nvSpPr>
+          <p:cNvPr id="3" name="Notizenplatzhalter 2"/>
+          <p:cNvSpPr>
+            <a:spLocks noGrp="1"/>
+          </p:cNvSpPr>
+          <p:nvPr>
+            <p:ph type="body" idx="1"/>
+          </p:nvPr>
+        </p:nvSpPr>
+        <p:spPr/>
+        <p:txBody>
+          <a:bodyPr/>
+          <a:lstStyle/>
+          <a:p>
+            <a:endParaRPr lang="de-AT" dirty="0"/>
+          </a:p>
+        </p:txBody>
+      </p:sp>
+      <p:sp>
+        <p:nvSpPr>
+          <p:cNvPr id="4" name="Foliennummernplatzhalter 3"/>
+          <p:cNvSpPr>
+            <a:spLocks noGrp="1"/>
+          </p:cNvSpPr>
+          <p:nvPr>
+            <p:ph type="sldNum" sz="quarter" idx="10"/>
+          </p:nvPr>
+        </p:nvSpPr>
+        <p:spPr/>
+        <p:txBody>
+          <a:bodyPr/>
+          <a:lstStyle/>
+          <a:p>
+            <a:fld id="{16A461EC-90F5-492A-8AF5-8603737FC93A}" type="slidenum">
+              <a:rPr lang="de-AT" smtClean="0"/>
+              <a:t>3</a:t>
+            </a:fld>
+            <a:endParaRPr lang="de-AT"/>
+          </a:p>
+        </p:txBody>
+      </p:sp>
+    </p:spTree>
+    <p:extLst>
+      <p:ext uri="{BB962C8B-B14F-4D97-AF65-F5344CB8AC3E}">
+        <p14:creationId xmlns:p14="http://schemas.microsoft.com/office/powerpoint/2010/main" val="3522551919"/>
+      </p:ext>
+    </p:extLst>
+  </p:cSld>
+  <p:clrMapOvr>
+    <a:masterClrMapping/>
+  </p:clrMapOvr>
+</p:notes>
+</file>
+
 <file path=ppt/slideLayouts/slideLayout1.xml><?xml version="1.0" encoding="utf-8"?>
 <p:sldLayout xmlns:a="http://schemas.openxmlformats.org/drawingml/2006/main" xmlns:r="http://schemas.openxmlformats.org/officeDocument/2006/relationships" xmlns:p="http://schemas.openxmlformats.org/presentationml/2006/main" showMasterSp="0" type="title" preserve="1">
   <p:cSld name="Titelfolie">
@@ -351,7 +792,7 @@
           <a:p>
             <a:fld id="{1BA50D42-C9CD-4801-B293-61D1F53EC57E}" type="datetimeFigureOut">
               <a:rPr lang="de-DE" smtClean="0"/>
-              <a:t>01.10.2017</a:t>
+              <a:t>02.10.2017</a:t>
             </a:fld>
             <a:endParaRPr lang="de-DE"/>
           </a:p>
@@ -559,7 +1000,7 @@
           <a:p>
             <a:fld id="{1BA50D42-C9CD-4801-B293-61D1F53EC57E}" type="datetimeFigureOut">
               <a:rPr lang="de-DE" smtClean="0"/>
-              <a:t>01.10.2017</a:t>
+              <a:t>02.10.2017</a:t>
             </a:fld>
             <a:endParaRPr lang="de-DE"/>
           </a:p>
@@ -815,7 +1256,7 @@
           <a:p>
             <a:fld id="{1BA50D42-C9CD-4801-B293-61D1F53EC57E}" type="datetimeFigureOut">
               <a:rPr lang="de-DE" smtClean="0"/>
-              <a:t>01.10.2017</a:t>
+              <a:t>02.10.2017</a:t>
             </a:fld>
             <a:endParaRPr lang="de-DE"/>
           </a:p>
@@ -985,7 +1426,7 @@
           <a:p>
             <a:fld id="{1BA50D42-C9CD-4801-B293-61D1F53EC57E}" type="datetimeFigureOut">
               <a:rPr lang="de-DE" smtClean="0"/>
-              <a:t>01.10.2017</a:t>
+              <a:t>02.10.2017</a:t>
             </a:fld>
             <a:endParaRPr lang="de-DE"/>
           </a:p>
@@ -1328,7 +1769,7 @@
           <a:p>
             <a:fld id="{1BA50D42-C9CD-4801-B293-61D1F53EC57E}" type="datetimeFigureOut">
               <a:rPr lang="de-DE" smtClean="0"/>
-              <a:t>01.10.2017</a:t>
+              <a:t>02.10.2017</a:t>
             </a:fld>
             <a:endParaRPr lang="de-DE"/>
           </a:p>
@@ -1603,7 +2044,7 @@
           <a:p>
             <a:fld id="{1BA50D42-C9CD-4801-B293-61D1F53EC57E}" type="datetimeFigureOut">
               <a:rPr lang="de-DE" smtClean="0"/>
-              <a:t>01.10.2017</a:t>
+              <a:t>02.10.2017</a:t>
             </a:fld>
             <a:endParaRPr lang="de-DE"/>
           </a:p>
@@ -1982,7 +2423,7 @@
           <a:p>
             <a:fld id="{1BA50D42-C9CD-4801-B293-61D1F53EC57E}" type="datetimeFigureOut">
               <a:rPr lang="de-DE" smtClean="0"/>
-              <a:t>01.10.2017</a:t>
+              <a:t>02.10.2017</a:t>
             </a:fld>
             <a:endParaRPr lang="de-DE"/>
           </a:p>
@@ -2100,7 +2541,7 @@
           <a:p>
             <a:fld id="{1BA50D42-C9CD-4801-B293-61D1F53EC57E}" type="datetimeFigureOut">
               <a:rPr lang="de-DE" smtClean="0"/>
-              <a:t>01.10.2017</a:t>
+              <a:t>02.10.2017</a:t>
             </a:fld>
             <a:endParaRPr lang="de-DE"/>
           </a:p>
@@ -2271,7 +2712,7 @@
           <a:p>
             <a:fld id="{1BA50D42-C9CD-4801-B293-61D1F53EC57E}" type="datetimeFigureOut">
               <a:rPr lang="de-DE" smtClean="0"/>
-              <a:t>01.10.2017</a:t>
+              <a:t>02.10.2017</a:t>
             </a:fld>
             <a:endParaRPr lang="de-DE"/>
           </a:p>
@@ -2625,7 +3066,7 @@
           <a:p>
             <a:fld id="{1BA50D42-C9CD-4801-B293-61D1F53EC57E}" type="datetimeFigureOut">
               <a:rPr lang="de-DE" smtClean="0"/>
-              <a:t>01.10.2017</a:t>
+              <a:t>02.10.2017</a:t>
             </a:fld>
             <a:endParaRPr lang="de-DE"/>
           </a:p>
@@ -3002,7 +3443,7 @@
           <a:p>
             <a:fld id="{1BA50D42-C9CD-4801-B293-61D1F53EC57E}" type="datetimeFigureOut">
               <a:rPr lang="de-DE" smtClean="0"/>
-              <a:t>01.10.2017</a:t>
+              <a:t>02.10.2017</a:t>
             </a:fld>
             <a:endParaRPr lang="de-DE"/>
           </a:p>
@@ -3289,7 +3730,7 @@
           <a:p>
             <a:fld id="{1BA50D42-C9CD-4801-B293-61D1F53EC57E}" type="datetimeFigureOut">
               <a:rPr lang="de-DE" smtClean="0"/>
-              <a:t>01.10.2017</a:t>
+              <a:t>02.10.2017</a:t>
             </a:fld>
             <a:endParaRPr lang="de-DE"/>
           </a:p>
@@ -4237,8 +4678,232 @@
             </a:r>
             <a:r>
               <a:rPr lang="de-AT" dirty="0" smtClean="0"/>
-              <a:t> Keck</a:t>
-            </a:r>
+              <a:t> </a:t>
+            </a:r>
+            <a:r>
+              <a:rPr lang="de-AT" dirty="0" smtClean="0"/>
+              <a:t>Keck</a:t>
+            </a:r>
+          </a:p>
+          <a:p>
+            <a:pPr>
+              <a:buFont typeface="Arial" panose="020B0604020202020204" pitchFamily="34" charset="0"/>
+              <a:buChar char="•"/>
+            </a:pPr>
+            <a:r>
+              <a:rPr lang="de-AT" dirty="0" smtClean="0"/>
+              <a:t> </a:t>
+            </a:r>
+            <a:r>
+              <a:rPr lang="de-AT" dirty="0" err="1" smtClean="0"/>
+              <a:t>Disadvantages</a:t>
+            </a:r>
+            <a:r>
+              <a:rPr lang="de-AT" dirty="0" smtClean="0"/>
+              <a:t>: </a:t>
+            </a:r>
+            <a:r>
+              <a:rPr lang="de-AT" dirty="0" err="1" smtClean="0"/>
+              <a:t>No</a:t>
+            </a:r>
+            <a:r>
+              <a:rPr lang="de-AT" dirty="0" smtClean="0"/>
+              <a:t> </a:t>
+            </a:r>
+            <a:r>
+              <a:rPr lang="de-AT" dirty="0" err="1" smtClean="0"/>
+              <a:t>images</a:t>
+            </a:r>
+            <a:r>
+              <a:rPr lang="de-AT" dirty="0" smtClean="0"/>
+              <a:t>, </a:t>
+            </a:r>
+            <a:r>
+              <a:rPr lang="de-AT" dirty="0" err="1" smtClean="0"/>
+              <a:t>system</a:t>
+            </a:r>
+            <a:r>
+              <a:rPr lang="de-AT" dirty="0" smtClean="0"/>
+              <a:t> </a:t>
+            </a:r>
+            <a:r>
+              <a:rPr lang="de-AT" dirty="0" err="1" smtClean="0"/>
+              <a:t>is</a:t>
+            </a:r>
+            <a:r>
+              <a:rPr lang="de-AT" dirty="0" smtClean="0"/>
+              <a:t> </a:t>
+            </a:r>
+            <a:r>
+              <a:rPr lang="de-AT" dirty="0" err="1" smtClean="0"/>
+              <a:t>outdated</a:t>
+            </a:r>
+            <a:r>
+              <a:rPr lang="de-AT" dirty="0" smtClean="0"/>
+              <a:t>, </a:t>
+            </a:r>
+            <a:r>
+              <a:rPr lang="de-AT" dirty="0" err="1" smtClean="0"/>
+              <a:t>no</a:t>
+            </a:r>
+            <a:r>
+              <a:rPr lang="de-AT" dirty="0" smtClean="0"/>
+              <a:t> </a:t>
+            </a:r>
+            <a:r>
+              <a:rPr lang="de-AT" dirty="0" err="1" smtClean="0"/>
+              <a:t>data</a:t>
+            </a:r>
+            <a:r>
+              <a:rPr lang="de-AT" dirty="0" smtClean="0"/>
+              <a:t> </a:t>
+            </a:r>
+            <a:r>
+              <a:rPr lang="de-AT" dirty="0" err="1" smtClean="0"/>
+              <a:t>assurance</a:t>
+            </a:r>
+            <a:r>
+              <a:rPr lang="de-AT" dirty="0" smtClean="0"/>
+              <a:t>..</a:t>
+            </a:r>
+          </a:p>
+          <a:p>
+            <a:pPr>
+              <a:buFont typeface="Arial" panose="020B0604020202020204" pitchFamily="34" charset="0"/>
+              <a:buChar char="•"/>
+            </a:pPr>
+            <a:r>
+              <a:rPr lang="de-AT" dirty="0" smtClean="0"/>
+              <a:t> Advantages: time </a:t>
+            </a:r>
+            <a:r>
+              <a:rPr lang="de-AT" dirty="0" err="1" smtClean="0"/>
+              <a:t>saving</a:t>
+            </a:r>
+            <a:r>
+              <a:rPr lang="de-AT" dirty="0" smtClean="0"/>
+              <a:t> </a:t>
+            </a:r>
+            <a:r>
+              <a:rPr lang="de-AT" dirty="0" err="1" smtClean="0"/>
+              <a:t>for</a:t>
+            </a:r>
+            <a:r>
+              <a:rPr lang="de-AT" dirty="0" smtClean="0"/>
+              <a:t> </a:t>
+            </a:r>
+            <a:r>
+              <a:rPr lang="de-AT" dirty="0" err="1" smtClean="0"/>
+              <a:t>the</a:t>
+            </a:r>
+            <a:r>
+              <a:rPr lang="de-AT" dirty="0" smtClean="0"/>
+              <a:t> </a:t>
+            </a:r>
+            <a:r>
+              <a:rPr lang="de-AT" dirty="0" err="1" smtClean="0"/>
+              <a:t>adminsitrator</a:t>
+            </a:r>
+            <a:r>
+              <a:rPr lang="de-AT" dirty="0" smtClean="0"/>
+              <a:t>, </a:t>
+            </a:r>
+            <a:r>
+              <a:rPr lang="de-AT" dirty="0" err="1" smtClean="0"/>
+              <a:t>for</a:t>
+            </a:r>
+            <a:r>
+              <a:rPr lang="de-AT" dirty="0" smtClean="0"/>
+              <a:t> </a:t>
+            </a:r>
+            <a:r>
+              <a:rPr lang="de-AT" dirty="0" err="1" smtClean="0"/>
+              <a:t>the</a:t>
+            </a:r>
+            <a:r>
+              <a:rPr lang="de-AT" dirty="0" smtClean="0"/>
+              <a:t> </a:t>
+            </a:r>
+            <a:r>
+              <a:rPr lang="de-AT" dirty="0" err="1" smtClean="0"/>
+              <a:t>tutors</a:t>
+            </a:r>
+            <a:r>
+              <a:rPr lang="de-AT" dirty="0" smtClean="0"/>
+              <a:t> </a:t>
+            </a:r>
+            <a:r>
+              <a:rPr lang="de-AT" dirty="0" err="1" smtClean="0"/>
+              <a:t>and</a:t>
+            </a:r>
+            <a:r>
+              <a:rPr lang="de-AT" dirty="0" smtClean="0"/>
+              <a:t> </a:t>
+            </a:r>
+            <a:r>
+              <a:rPr lang="de-AT" dirty="0" err="1" smtClean="0"/>
+              <a:t>for</a:t>
+            </a:r>
+            <a:r>
+              <a:rPr lang="de-AT" dirty="0" smtClean="0"/>
+              <a:t> </a:t>
+            </a:r>
+            <a:r>
+              <a:rPr lang="de-AT" dirty="0" err="1" smtClean="0"/>
+              <a:t>the</a:t>
+            </a:r>
+            <a:r>
+              <a:rPr lang="de-AT" dirty="0" smtClean="0"/>
+              <a:t> </a:t>
+            </a:r>
+            <a:r>
+              <a:rPr lang="de-AT" dirty="0" err="1" smtClean="0"/>
+              <a:t>pupils</a:t>
+            </a:r>
+            <a:endParaRPr lang="de-AT" dirty="0" smtClean="0"/>
+          </a:p>
+          <a:p>
+            <a:pPr>
+              <a:buFont typeface="Arial" panose="020B0604020202020204" pitchFamily="34" charset="0"/>
+              <a:buChar char="•"/>
+            </a:pPr>
+            <a:r>
+              <a:rPr lang="de-AT" dirty="0" smtClean="0"/>
+              <a:t> Other </a:t>
+            </a:r>
+            <a:r>
+              <a:rPr lang="de-AT" dirty="0" err="1" smtClean="0"/>
+              <a:t>software</a:t>
+            </a:r>
+            <a:r>
+              <a:rPr lang="de-AT" dirty="0" smtClean="0"/>
+              <a:t> on </a:t>
+            </a:r>
+            <a:r>
+              <a:rPr lang="de-AT" dirty="0" err="1" smtClean="0"/>
+              <a:t>the</a:t>
+            </a:r>
+            <a:r>
+              <a:rPr lang="de-AT" dirty="0" smtClean="0"/>
+              <a:t> </a:t>
+            </a:r>
+            <a:r>
+              <a:rPr lang="de-AT" dirty="0" err="1" smtClean="0"/>
+              <a:t>market</a:t>
+            </a:r>
+            <a:r>
+              <a:rPr lang="de-AT" dirty="0" smtClean="0"/>
+              <a:t>: </a:t>
+            </a:r>
+            <a:r>
+              <a:rPr lang="de-AT" dirty="0" err="1" smtClean="0"/>
+              <a:t>lernquadrat</a:t>
+            </a:r>
+            <a:r>
+              <a:rPr lang="de-AT" smtClean="0"/>
+              <a:t>, talentify.me</a:t>
+            </a:r>
+            <a:endParaRPr lang="de-AT" dirty="0" smtClean="0"/>
           </a:p>
           <a:p>
             <a:pPr>
@@ -4253,6 +4918,711 @@
     <p:extLst>
       <p:ext uri="{BB962C8B-B14F-4D97-AF65-F5344CB8AC3E}">
         <p14:creationId xmlns:p14="http://schemas.microsoft.com/office/powerpoint/2010/main" val="3385980308"/>
+      </p:ext>
+    </p:extLst>
+  </p:cSld>
+  <p:clrMapOvr>
+    <a:masterClrMapping/>
+  </p:clrMapOvr>
+</p:sld>
+</file>
+
+<file path=ppt/slides/slide4.xml><?xml version="1.0" encoding="utf-8"?>
+<p:sld xmlns:a="http://schemas.openxmlformats.org/drawingml/2006/main" xmlns:r="http://schemas.openxmlformats.org/officeDocument/2006/relationships" xmlns:p="http://schemas.openxmlformats.org/presentationml/2006/main">
+  <p:cSld>
+    <p:spTree>
+      <p:nvGrpSpPr>
+        <p:cNvPr id="1" name=""/>
+        <p:cNvGrpSpPr/>
+        <p:nvPr/>
+      </p:nvGrpSpPr>
+      <p:grpSpPr>
+        <a:xfrm>
+          <a:off x="0" y="0"/>
+          <a:ext cx="0" cy="0"/>
+          <a:chOff x="0" y="0"/>
+          <a:chExt cx="0" cy="0"/>
+        </a:xfrm>
+      </p:grpSpPr>
+      <p:sp>
+        <p:nvSpPr>
+          <p:cNvPr id="2" name="Titel 1"/>
+          <p:cNvSpPr>
+            <a:spLocks noGrp="1"/>
+          </p:cNvSpPr>
+          <p:nvPr>
+            <p:ph type="title"/>
+          </p:nvPr>
+        </p:nvSpPr>
+        <p:spPr/>
+        <p:txBody>
+          <a:bodyPr/>
+          <a:lstStyle/>
+          <a:p>
+            <a:r>
+              <a:rPr lang="de-AT" dirty="0" smtClean="0"/>
+              <a:t>Feature </a:t>
+            </a:r>
+            <a:r>
+              <a:rPr lang="de-AT" dirty="0" err="1" smtClean="0"/>
+              <a:t>list</a:t>
+            </a:r>
+            <a:endParaRPr lang="de-AT" dirty="0"/>
+          </a:p>
+        </p:txBody>
+      </p:sp>
+      <p:sp>
+        <p:nvSpPr>
+          <p:cNvPr id="3" name="Inhaltsplatzhalter 2"/>
+          <p:cNvSpPr>
+            <a:spLocks noGrp="1"/>
+          </p:cNvSpPr>
+          <p:nvPr>
+            <p:ph idx="1"/>
+          </p:nvPr>
+        </p:nvSpPr>
+        <p:spPr/>
+        <p:txBody>
+          <a:bodyPr>
+            <a:normAutofit lnSpcReduction="10000"/>
+          </a:bodyPr>
+          <a:lstStyle/>
+          <a:p>
+            <a:pPr lvl="0">
+              <a:buFont typeface="Arial" panose="020B0604020202020204" pitchFamily="34" charset="0"/>
+              <a:buChar char="•"/>
+            </a:pPr>
+            <a:r>
+              <a:rPr lang="en-AU" dirty="0"/>
+              <a:t>Login with school credentials</a:t>
+            </a:r>
+          </a:p>
+          <a:p>
+            <a:pPr lvl="0">
+              <a:buFont typeface="Arial" panose="020B0604020202020204" pitchFamily="34" charset="0"/>
+              <a:buChar char="•"/>
+            </a:pPr>
+            <a:r>
+              <a:rPr lang="en-AU" dirty="0"/>
+              <a:t>Overview of all tutors</a:t>
+            </a:r>
+          </a:p>
+          <a:p>
+            <a:pPr lvl="0">
+              <a:buFont typeface="Arial" panose="020B0604020202020204" pitchFamily="34" charset="0"/>
+              <a:buChar char="•"/>
+            </a:pPr>
+            <a:r>
+              <a:rPr lang="en-AU" dirty="0"/>
+              <a:t>Filter tutors by subject</a:t>
+            </a:r>
+          </a:p>
+          <a:p>
+            <a:pPr lvl="0">
+              <a:buFont typeface="Arial" panose="020B0604020202020204" pitchFamily="34" charset="0"/>
+              <a:buChar char="•"/>
+            </a:pPr>
+            <a:r>
+              <a:rPr lang="en-AU" dirty="0"/>
+              <a:t>Detail page of each tutor</a:t>
+            </a:r>
+          </a:p>
+          <a:p>
+            <a:pPr lvl="0">
+              <a:buFont typeface="Arial" panose="020B0604020202020204" pitchFamily="34" charset="0"/>
+              <a:buChar char="•"/>
+            </a:pPr>
+            <a:r>
+              <a:rPr lang="en-AU" dirty="0"/>
+              <a:t>Create tutor profile (name, class and department from school server; without image)</a:t>
+            </a:r>
+          </a:p>
+          <a:p>
+            <a:pPr lvl="0">
+              <a:buFont typeface="Arial" panose="020B0604020202020204" pitchFamily="34" charset="0"/>
+              <a:buChar char="•"/>
+            </a:pPr>
+            <a:r>
+              <a:rPr lang="en-AU" dirty="0"/>
+              <a:t>Edit profile</a:t>
+            </a:r>
+          </a:p>
+          <a:p>
+            <a:pPr lvl="0">
+              <a:buFont typeface="Arial" panose="020B0604020202020204" pitchFamily="34" charset="0"/>
+              <a:buChar char="•"/>
+            </a:pPr>
+            <a:r>
+              <a:rPr lang="en-AU" dirty="0"/>
+              <a:t>Delete profile</a:t>
+            </a:r>
+          </a:p>
+          <a:p>
+            <a:pPr lvl="0">
+              <a:buFont typeface="Arial" panose="020B0604020202020204" pitchFamily="34" charset="0"/>
+              <a:buChar char="•"/>
+            </a:pPr>
+            <a:r>
+              <a:rPr lang="en-AU" dirty="0"/>
+              <a:t>Add/delete administrators</a:t>
+            </a:r>
+          </a:p>
+          <a:p>
+            <a:pPr lvl="0">
+              <a:buFont typeface="Arial" panose="020B0604020202020204" pitchFamily="34" charset="0"/>
+              <a:buChar char="•"/>
+            </a:pPr>
+            <a:r>
+              <a:rPr lang="en-AU" dirty="0"/>
+              <a:t>Add/delete subjects</a:t>
+            </a:r>
+          </a:p>
+          <a:p>
+            <a:endParaRPr lang="de-AT" dirty="0"/>
+          </a:p>
+        </p:txBody>
+      </p:sp>
+    </p:spTree>
+    <p:extLst>
+      <p:ext uri="{BB962C8B-B14F-4D97-AF65-F5344CB8AC3E}">
+        <p14:creationId xmlns:p14="http://schemas.microsoft.com/office/powerpoint/2010/main" val="2861868623"/>
+      </p:ext>
+    </p:extLst>
+  </p:cSld>
+  <p:clrMapOvr>
+    <a:masterClrMapping/>
+  </p:clrMapOvr>
+</p:sld>
+</file>
+
+<file path=ppt/slides/slide5.xml><?xml version="1.0" encoding="utf-8"?>
+<p:sld xmlns:a="http://schemas.openxmlformats.org/drawingml/2006/main" xmlns:r="http://schemas.openxmlformats.org/officeDocument/2006/relationships" xmlns:p="http://schemas.openxmlformats.org/presentationml/2006/main">
+  <p:cSld>
+    <p:spTree>
+      <p:nvGrpSpPr>
+        <p:cNvPr id="1" name=""/>
+        <p:cNvGrpSpPr/>
+        <p:nvPr/>
+      </p:nvGrpSpPr>
+      <p:grpSpPr>
+        <a:xfrm>
+          <a:off x="0" y="0"/>
+          <a:ext cx="0" cy="0"/>
+          <a:chOff x="0" y="0"/>
+          <a:chExt cx="0" cy="0"/>
+        </a:xfrm>
+      </p:grpSpPr>
+      <p:sp>
+        <p:nvSpPr>
+          <p:cNvPr id="2" name="Titel 1"/>
+          <p:cNvSpPr>
+            <a:spLocks noGrp="1"/>
+          </p:cNvSpPr>
+          <p:nvPr>
+            <p:ph type="ctrTitle"/>
+          </p:nvPr>
+        </p:nvSpPr>
+        <p:spPr/>
+        <p:txBody>
+          <a:bodyPr/>
+          <a:lstStyle/>
+          <a:p>
+            <a:r>
+              <a:rPr lang="de-AT" dirty="0" smtClean="0"/>
+              <a:t>Live Demo</a:t>
+            </a:r>
+            <a:endParaRPr lang="de-AT" dirty="0"/>
+          </a:p>
+        </p:txBody>
+      </p:sp>
+      <p:sp>
+        <p:nvSpPr>
+          <p:cNvPr id="3" name="Untertitel 2"/>
+          <p:cNvSpPr>
+            <a:spLocks noGrp="1"/>
+          </p:cNvSpPr>
+          <p:nvPr>
+            <p:ph type="subTitle" idx="1"/>
+          </p:nvPr>
+        </p:nvSpPr>
+        <p:spPr/>
+        <p:txBody>
+          <a:bodyPr/>
+          <a:lstStyle/>
+          <a:p>
+            <a:endParaRPr lang="de-AT"/>
+          </a:p>
+        </p:txBody>
+      </p:sp>
+    </p:spTree>
+    <p:extLst>
+      <p:ext uri="{BB962C8B-B14F-4D97-AF65-F5344CB8AC3E}">
+        <p14:creationId xmlns:p14="http://schemas.microsoft.com/office/powerpoint/2010/main" val="935346114"/>
+      </p:ext>
+    </p:extLst>
+  </p:cSld>
+  <p:clrMapOvr>
+    <a:masterClrMapping/>
+  </p:clrMapOvr>
+</p:sld>
+</file>
+
+<file path=ppt/slides/slide6.xml><?xml version="1.0" encoding="utf-8"?>
+<p:sld xmlns:a="http://schemas.openxmlformats.org/drawingml/2006/main" xmlns:r="http://schemas.openxmlformats.org/officeDocument/2006/relationships" xmlns:p="http://schemas.openxmlformats.org/presentationml/2006/main">
+  <p:cSld>
+    <p:spTree>
+      <p:nvGrpSpPr>
+        <p:cNvPr id="1" name=""/>
+        <p:cNvGrpSpPr/>
+        <p:nvPr/>
+      </p:nvGrpSpPr>
+      <p:grpSpPr>
+        <a:xfrm>
+          <a:off x="0" y="0"/>
+          <a:ext cx="0" cy="0"/>
+          <a:chOff x="0" y="0"/>
+          <a:chExt cx="0" cy="0"/>
+        </a:xfrm>
+      </p:grpSpPr>
+      <p:sp>
+        <p:nvSpPr>
+          <p:cNvPr id="2" name="Titel 1"/>
+          <p:cNvSpPr>
+            <a:spLocks noGrp="1"/>
+          </p:cNvSpPr>
+          <p:nvPr>
+            <p:ph type="title"/>
+          </p:nvPr>
+        </p:nvSpPr>
+        <p:spPr/>
+        <p:txBody>
+          <a:bodyPr/>
+          <a:lstStyle/>
+          <a:p>
+            <a:r>
+              <a:rPr lang="de-AT" dirty="0" err="1" smtClean="0"/>
+              <a:t>Planning</a:t>
+            </a:r>
+            <a:r>
+              <a:rPr lang="de-AT" dirty="0" smtClean="0"/>
+              <a:t> </a:t>
+            </a:r>
+            <a:r>
+              <a:rPr lang="de-AT" dirty="0" err="1" smtClean="0"/>
+              <a:t>for</a:t>
+            </a:r>
+            <a:r>
+              <a:rPr lang="de-AT" dirty="0" smtClean="0"/>
+              <a:t> </a:t>
+            </a:r>
+            <a:r>
+              <a:rPr lang="de-AT" dirty="0" err="1" smtClean="0"/>
+              <a:t>the</a:t>
+            </a:r>
+            <a:r>
+              <a:rPr lang="de-AT" dirty="0" smtClean="0"/>
+              <a:t> </a:t>
+            </a:r>
+            <a:r>
+              <a:rPr lang="de-AT" dirty="0" err="1" smtClean="0"/>
+              <a:t>rest</a:t>
+            </a:r>
+            <a:r>
+              <a:rPr lang="de-AT" dirty="0" smtClean="0"/>
+              <a:t> </a:t>
+            </a:r>
+            <a:r>
+              <a:rPr lang="de-AT" dirty="0" err="1" smtClean="0"/>
+              <a:t>of</a:t>
+            </a:r>
+            <a:r>
+              <a:rPr lang="de-AT" dirty="0" smtClean="0"/>
+              <a:t> </a:t>
+            </a:r>
+            <a:r>
+              <a:rPr lang="de-AT" dirty="0" err="1" smtClean="0"/>
+              <a:t>the</a:t>
+            </a:r>
+            <a:r>
+              <a:rPr lang="de-AT" dirty="0" smtClean="0"/>
+              <a:t> </a:t>
+            </a:r>
+            <a:r>
+              <a:rPr lang="de-AT" dirty="0" err="1" smtClean="0"/>
+              <a:t>year</a:t>
+            </a:r>
+            <a:endParaRPr lang="de-AT" dirty="0"/>
+          </a:p>
+        </p:txBody>
+      </p:sp>
+      <p:sp>
+        <p:nvSpPr>
+          <p:cNvPr id="3" name="Inhaltsplatzhalter 2"/>
+          <p:cNvSpPr>
+            <a:spLocks noGrp="1"/>
+          </p:cNvSpPr>
+          <p:nvPr>
+            <p:ph idx="1"/>
+          </p:nvPr>
+        </p:nvSpPr>
+        <p:spPr/>
+        <p:txBody>
+          <a:bodyPr/>
+          <a:lstStyle/>
+          <a:p>
+            <a:pPr>
+              <a:buFont typeface="Arial" panose="020B0604020202020204" pitchFamily="34" charset="0"/>
+              <a:buChar char="•"/>
+            </a:pPr>
+            <a:r>
+              <a:rPr lang="de-AT" dirty="0"/>
+              <a:t> </a:t>
+            </a:r>
+            <a:r>
+              <a:rPr lang="de-AT" dirty="0" smtClean="0"/>
+              <a:t>Minor </a:t>
+            </a:r>
+            <a:r>
+              <a:rPr lang="de-AT" dirty="0" err="1" smtClean="0"/>
+              <a:t>bug</a:t>
+            </a:r>
+            <a:r>
+              <a:rPr lang="de-AT" dirty="0" smtClean="0"/>
+              <a:t> fixes</a:t>
+            </a:r>
+          </a:p>
+          <a:p>
+            <a:pPr>
+              <a:buFont typeface="Arial" panose="020B0604020202020204" pitchFamily="34" charset="0"/>
+              <a:buChar char="•"/>
+            </a:pPr>
+            <a:r>
+              <a:rPr lang="de-AT" dirty="0" smtClean="0"/>
+              <a:t> Images </a:t>
+            </a:r>
+            <a:r>
+              <a:rPr lang="de-AT" dirty="0" err="1" smtClean="0"/>
+              <a:t>for</a:t>
+            </a:r>
+            <a:r>
+              <a:rPr lang="de-AT" dirty="0" smtClean="0"/>
+              <a:t> </a:t>
+            </a:r>
+            <a:r>
+              <a:rPr lang="de-AT" dirty="0" err="1" smtClean="0"/>
+              <a:t>tutors</a:t>
+            </a:r>
+            <a:endParaRPr lang="de-AT" dirty="0" smtClean="0"/>
+          </a:p>
+          <a:p>
+            <a:pPr>
+              <a:buFont typeface="Arial" panose="020B0604020202020204" pitchFamily="34" charset="0"/>
+              <a:buChar char="•"/>
+            </a:pPr>
+            <a:r>
+              <a:rPr lang="de-AT" dirty="0"/>
+              <a:t> </a:t>
+            </a:r>
+            <a:r>
+              <a:rPr lang="de-AT" dirty="0" err="1" smtClean="0"/>
+              <a:t>Sort</a:t>
+            </a:r>
+            <a:r>
+              <a:rPr lang="de-AT" dirty="0" smtClean="0"/>
+              <a:t> </a:t>
+            </a:r>
+            <a:r>
+              <a:rPr lang="de-AT" dirty="0" err="1" smtClean="0"/>
+              <a:t>tutors</a:t>
+            </a:r>
+            <a:endParaRPr lang="de-AT" dirty="0" smtClean="0"/>
+          </a:p>
+          <a:p>
+            <a:pPr>
+              <a:buFont typeface="Arial" panose="020B0604020202020204" pitchFamily="34" charset="0"/>
+              <a:buChar char="•"/>
+            </a:pPr>
+            <a:r>
+              <a:rPr lang="de-AT" dirty="0"/>
+              <a:t> </a:t>
+            </a:r>
+            <a:r>
+              <a:rPr lang="de-AT" dirty="0" err="1" smtClean="0"/>
+              <a:t>Extend</a:t>
+            </a:r>
+            <a:r>
+              <a:rPr lang="de-AT" dirty="0" smtClean="0"/>
+              <a:t> </a:t>
+            </a:r>
+            <a:r>
+              <a:rPr lang="de-AT" dirty="0" err="1" smtClean="0"/>
+              <a:t>administration</a:t>
+            </a:r>
+            <a:r>
+              <a:rPr lang="de-AT" dirty="0" smtClean="0"/>
+              <a:t> </a:t>
+            </a:r>
+            <a:r>
+              <a:rPr lang="de-AT" dirty="0" err="1" smtClean="0"/>
+              <a:t>area</a:t>
+            </a:r>
+            <a:r>
+              <a:rPr lang="de-AT" dirty="0" smtClean="0"/>
+              <a:t> (</a:t>
+            </a:r>
+            <a:r>
+              <a:rPr lang="de-AT" dirty="0" err="1" smtClean="0"/>
+              <a:t>statistic</a:t>
+            </a:r>
+            <a:r>
+              <a:rPr lang="de-AT" dirty="0" smtClean="0"/>
+              <a:t>, </a:t>
+            </a:r>
+            <a:r>
+              <a:rPr lang="de-AT" dirty="0" err="1" smtClean="0"/>
+              <a:t>edit</a:t>
+            </a:r>
+            <a:r>
+              <a:rPr lang="de-AT" dirty="0" smtClean="0"/>
+              <a:t>/</a:t>
+            </a:r>
+            <a:r>
+              <a:rPr lang="de-AT" dirty="0" err="1" smtClean="0"/>
+              <a:t>delete</a:t>
+            </a:r>
+            <a:r>
+              <a:rPr lang="de-AT" dirty="0" smtClean="0"/>
+              <a:t> </a:t>
+            </a:r>
+            <a:r>
+              <a:rPr lang="de-AT" dirty="0" err="1" smtClean="0"/>
+              <a:t>tutors</a:t>
+            </a:r>
+            <a:r>
+              <a:rPr lang="de-AT" dirty="0" smtClean="0"/>
+              <a:t>, </a:t>
+            </a:r>
+            <a:r>
+              <a:rPr lang="de-AT" dirty="0" err="1" smtClean="0"/>
+              <a:t>accecpt</a:t>
+            </a:r>
+            <a:r>
+              <a:rPr lang="de-AT" dirty="0" smtClean="0"/>
+              <a:t>/</a:t>
+            </a:r>
+            <a:r>
+              <a:rPr lang="de-AT" dirty="0" err="1" smtClean="0"/>
+              <a:t>reject</a:t>
+            </a:r>
+            <a:r>
+              <a:rPr lang="de-AT" dirty="0" smtClean="0"/>
+              <a:t> </a:t>
+            </a:r>
+            <a:r>
+              <a:rPr lang="de-AT" dirty="0" err="1" smtClean="0"/>
+              <a:t>reviews</a:t>
+            </a:r>
+            <a:r>
+              <a:rPr lang="de-AT" dirty="0" smtClean="0"/>
+              <a:t>)</a:t>
+            </a:r>
+          </a:p>
+          <a:p>
+            <a:pPr>
+              <a:buFont typeface="Arial" panose="020B0604020202020204" pitchFamily="34" charset="0"/>
+              <a:buChar char="•"/>
+            </a:pPr>
+            <a:r>
+              <a:rPr lang="de-AT" dirty="0"/>
+              <a:t> </a:t>
+            </a:r>
+            <a:r>
+              <a:rPr lang="de-AT" dirty="0" smtClean="0"/>
+              <a:t>Reviews </a:t>
+            </a:r>
+            <a:r>
+              <a:rPr lang="de-AT" dirty="0" err="1" smtClean="0"/>
+              <a:t>for</a:t>
+            </a:r>
+            <a:r>
+              <a:rPr lang="de-AT" dirty="0" smtClean="0"/>
+              <a:t> </a:t>
+            </a:r>
+            <a:r>
+              <a:rPr lang="de-AT" dirty="0" err="1" smtClean="0"/>
+              <a:t>tutors</a:t>
+            </a:r>
+            <a:endParaRPr lang="de-AT" dirty="0" smtClean="0"/>
+          </a:p>
+          <a:p>
+            <a:pPr>
+              <a:buFont typeface="Arial" panose="020B0604020202020204" pitchFamily="34" charset="0"/>
+              <a:buChar char="•"/>
+            </a:pPr>
+            <a:r>
+              <a:rPr lang="de-AT" dirty="0"/>
+              <a:t> </a:t>
+            </a:r>
+            <a:r>
+              <a:rPr lang="de-AT" dirty="0" err="1" smtClean="0"/>
+              <a:t>Contact</a:t>
+            </a:r>
+            <a:r>
+              <a:rPr lang="de-AT" dirty="0" smtClean="0"/>
+              <a:t> </a:t>
+            </a:r>
+            <a:r>
+              <a:rPr lang="de-AT" dirty="0" err="1" smtClean="0"/>
+              <a:t>tutors</a:t>
+            </a:r>
+            <a:r>
+              <a:rPr lang="de-AT" dirty="0" smtClean="0"/>
+              <a:t> (Default email </a:t>
+            </a:r>
+            <a:r>
+              <a:rPr lang="de-AT" dirty="0" err="1" smtClean="0"/>
+              <a:t>or</a:t>
+            </a:r>
+            <a:r>
+              <a:rPr lang="de-AT" dirty="0" smtClean="0"/>
+              <a:t> </a:t>
+            </a:r>
+            <a:r>
+              <a:rPr lang="de-AT" dirty="0" err="1" smtClean="0"/>
+              <a:t>sms</a:t>
+            </a:r>
+            <a:r>
+              <a:rPr lang="de-AT" dirty="0" smtClean="0"/>
+              <a:t>)</a:t>
+            </a:r>
+          </a:p>
+          <a:p>
+            <a:pPr>
+              <a:buFont typeface="Arial" panose="020B0604020202020204" pitchFamily="34" charset="0"/>
+              <a:buChar char="•"/>
+            </a:pPr>
+            <a:endParaRPr lang="de-AT" dirty="0" smtClean="0"/>
+          </a:p>
+        </p:txBody>
+      </p:sp>
+    </p:spTree>
+    <p:extLst>
+      <p:ext uri="{BB962C8B-B14F-4D97-AF65-F5344CB8AC3E}">
+        <p14:creationId xmlns:p14="http://schemas.microsoft.com/office/powerpoint/2010/main" val="1599421576"/>
+      </p:ext>
+    </p:extLst>
+  </p:cSld>
+  <p:clrMapOvr>
+    <a:masterClrMapping/>
+  </p:clrMapOvr>
+</p:sld>
+</file>
+
+<file path=ppt/slides/slide7.xml><?xml version="1.0" encoding="utf-8"?>
+<p:sld xmlns:a="http://schemas.openxmlformats.org/drawingml/2006/main" xmlns:r="http://schemas.openxmlformats.org/officeDocument/2006/relationships" xmlns:p="http://schemas.openxmlformats.org/presentationml/2006/main">
+  <p:cSld>
+    <p:spTree>
+      <p:nvGrpSpPr>
+        <p:cNvPr id="1" name=""/>
+        <p:cNvGrpSpPr/>
+        <p:nvPr/>
+      </p:nvGrpSpPr>
+      <p:grpSpPr>
+        <a:xfrm>
+          <a:off x="0" y="0"/>
+          <a:ext cx="0" cy="0"/>
+          <a:chOff x="0" y="0"/>
+          <a:chExt cx="0" cy="0"/>
+        </a:xfrm>
+      </p:grpSpPr>
+      <p:sp>
+        <p:nvSpPr>
+          <p:cNvPr id="2" name="Titel 1"/>
+          <p:cNvSpPr>
+            <a:spLocks noGrp="1"/>
+          </p:cNvSpPr>
+          <p:nvPr>
+            <p:ph type="ctrTitle"/>
+          </p:nvPr>
+        </p:nvSpPr>
+        <p:spPr/>
+        <p:txBody>
+          <a:bodyPr/>
+          <a:lstStyle/>
+          <a:p>
+            <a:r>
+              <a:rPr lang="de-AT" dirty="0" err="1" smtClean="0"/>
+              <a:t>Thank</a:t>
+            </a:r>
+            <a:r>
+              <a:rPr lang="de-AT" dirty="0" smtClean="0"/>
+              <a:t> </a:t>
+            </a:r>
+            <a:r>
+              <a:rPr lang="de-AT" dirty="0" err="1" smtClean="0"/>
+              <a:t>you</a:t>
+            </a:r>
+            <a:r>
+              <a:rPr lang="de-AT" dirty="0" smtClean="0"/>
+              <a:t> </a:t>
+            </a:r>
+            <a:r>
+              <a:rPr lang="de-AT" dirty="0" err="1" smtClean="0"/>
+              <a:t>for</a:t>
+            </a:r>
+            <a:r>
+              <a:rPr lang="de-AT" dirty="0" smtClean="0"/>
+              <a:t> </a:t>
+            </a:r>
+            <a:r>
+              <a:rPr lang="de-AT" dirty="0" err="1" smtClean="0"/>
+              <a:t>your</a:t>
+            </a:r>
+            <a:r>
+              <a:rPr lang="de-AT" dirty="0" smtClean="0"/>
+              <a:t> </a:t>
+            </a:r>
+            <a:r>
+              <a:rPr lang="de-AT" dirty="0" err="1" smtClean="0"/>
+              <a:t>attention</a:t>
+            </a:r>
+            <a:r>
+              <a:rPr lang="de-AT" dirty="0" smtClean="0"/>
+              <a:t> </a:t>
+            </a:r>
+            <a:r>
+              <a:rPr lang="de-AT" dirty="0" smtClean="0">
+                <a:sym typeface="Wingdings" panose="05000000000000000000" pitchFamily="2" charset="2"/>
+              </a:rPr>
+              <a:t></a:t>
+            </a:r>
+            <a:endParaRPr lang="de-AT" dirty="0"/>
+          </a:p>
+        </p:txBody>
+      </p:sp>
+      <p:sp>
+        <p:nvSpPr>
+          <p:cNvPr id="3" name="Untertitel 2"/>
+          <p:cNvSpPr>
+            <a:spLocks noGrp="1"/>
+          </p:cNvSpPr>
+          <p:nvPr>
+            <p:ph type="subTitle" idx="1"/>
+          </p:nvPr>
+        </p:nvSpPr>
+        <p:spPr/>
+        <p:txBody>
+          <a:bodyPr/>
+          <a:lstStyle/>
+          <a:p>
+            <a:endParaRPr lang="de-AT"/>
+          </a:p>
+        </p:txBody>
+      </p:sp>
+    </p:spTree>
+    <p:extLst>
+      <p:ext uri="{BB962C8B-B14F-4D97-AF65-F5344CB8AC3E}">
+        <p14:creationId xmlns:p14="http://schemas.microsoft.com/office/powerpoint/2010/main" val="4162891816"/>
       </p:ext>
     </p:extLst>
   </p:cSld>
@@ -4543,4 +5913,265 @@
     </a:ext>
   </a:extLst>
 </a:theme>
+</file>
+
+<file path=ppt/theme/theme2.xml><?xml version="1.0" encoding="utf-8"?>
+<a:theme xmlns:a="http://schemas.openxmlformats.org/drawingml/2006/main" name="Office Theme">
+  <a:themeElements>
+    <a:clrScheme name="Office">
+      <a:dk1>
+        <a:sysClr val="windowText" lastClr="000000"/>
+      </a:dk1>
+      <a:lt1>
+        <a:sysClr val="window" lastClr="FFFFFF"/>
+      </a:lt1>
+      <a:dk2>
+        <a:srgbClr val="44546A"/>
+      </a:dk2>
+      <a:lt2>
+        <a:srgbClr val="E7E6E6"/>
+      </a:lt2>
+      <a:accent1>
+        <a:srgbClr val="5B9BD5"/>
+      </a:accent1>
+      <a:accent2>
+        <a:srgbClr val="ED7D31"/>
+      </a:accent2>
+      <a:accent3>
+        <a:srgbClr val="A5A5A5"/>
+      </a:accent3>
+      <a:accent4>
+        <a:srgbClr val="FFC000"/>
+      </a:accent4>
+      <a:accent5>
+        <a:srgbClr val="4472C4"/>
+      </a:accent5>
+      <a:accent6>
+        <a:srgbClr val="70AD47"/>
+      </a:accent6>
+      <a:hlink>
+        <a:srgbClr val="0563C1"/>
+      </a:hlink>
+      <a:folHlink>
+        <a:srgbClr val="954F72"/>
+      </a:folHlink>
+    </a:clrScheme>
+    <a:fontScheme name="Office">
+      <a:majorFont>
+        <a:latin typeface="Calibri Light" panose="020F0302020204030204"/>
+        <a:ea typeface=""/>
+        <a:cs typeface=""/>
+        <a:font script="Jpan" typeface="ＭＳ Ｐゴシック"/>
+        <a:font script="Hang" typeface="맑은 고딕"/>
+        <a:font script="Hans" typeface="宋体"/>
+        <a:font script="Hant" typeface="新細明體"/>
+        <a:font script="Arab" typeface="Times New Roman"/>
+        <a:font script="Hebr" typeface="Times New Roman"/>
+        <a:font script="Thai" typeface="Angsana New"/>
+        <a:font script="Ethi" typeface="Nyala"/>
+        <a:font script="Beng" typeface="Vrinda"/>
+        <a:font script="Gujr" typeface="Shruti"/>
+        <a:font script="Khmr" typeface="MoolBoran"/>
+        <a:font script="Knda" typeface="Tunga"/>
+        <a:font script="Guru" typeface="Raavi"/>
+        <a:font script="Cans" typeface="Euphemia"/>
+        <a:font script="Cher" typeface="Plantagenet Cherokee"/>
+        <a:font script="Yiii" typeface="Microsoft Yi Baiti"/>
+        <a:font script="Tibt" typeface="Microsoft Himalaya"/>
+        <a:font script="Thaa" typeface="MV Boli"/>
+        <a:font script="Deva" typeface="Mangal"/>
+        <a:font script="Telu" typeface="Gautami"/>
+        <a:font script="Taml" typeface="Latha"/>
+        <a:font script="Syrc" typeface="Estrangelo Edessa"/>
+        <a:font script="Orya" typeface="Kalinga"/>
+        <a:font script="Mlym" typeface="Kartika"/>
+        <a:font script="Laoo" typeface="DokChampa"/>
+        <a:font script="Sinh" typeface="Iskoola Pota"/>
+        <a:font script="Mong" typeface="Mongolian Baiti"/>
+        <a:font script="Viet" typeface="Times New Roman"/>
+        <a:font script="Uigh" typeface="Microsoft Uighur"/>
+        <a:font script="Geor" typeface="Sylfaen"/>
+      </a:majorFont>
+      <a:minorFont>
+        <a:latin typeface="Calibri" panose="020F0502020204030204"/>
+        <a:ea typeface=""/>
+        <a:cs typeface=""/>
+        <a:font script="Jpan" typeface="ＭＳ Ｐゴシック"/>
+        <a:font script="Hang" typeface="맑은 고딕"/>
+        <a:font script="Hans" typeface="宋体"/>
+        <a:font script="Hant" typeface="新細明體"/>
+        <a:font script="Arab" typeface="Arial"/>
+        <a:font script="Hebr" typeface="Arial"/>
+        <a:font script="Thai" typeface="Cordia New"/>
+        <a:font script="Ethi" typeface="Nyala"/>
+        <a:font script="Beng" typeface="Vrinda"/>
+        <a:font script="Gujr" typeface="Shruti"/>
+        <a:font script="Khmr" typeface="DaunPenh"/>
+        <a:font script="Knda" typeface="Tunga"/>
+        <a:font script="Guru" typeface="Raavi"/>
+        <a:font script="Cans" typeface="Euphemia"/>
+        <a:font script="Cher" typeface="Plantagenet Cherokee"/>
+        <a:font script="Yiii" typeface="Microsoft Yi Baiti"/>
+        <a:font script="Tibt" typeface="Microsoft Himalaya"/>
+        <a:font script="Thaa" typeface="MV Boli"/>
+        <a:font script="Deva" typeface="Mangal"/>
+        <a:font script="Telu" typeface="Gautami"/>
+        <a:font script="Taml" typeface="Latha"/>
+        <a:font script="Syrc" typeface="Estrangelo Edessa"/>
+        <a:font script="Orya" typeface="Kalinga"/>
+        <a:font script="Mlym" typeface="Kartika"/>
+        <a:font script="Laoo" typeface="DokChampa"/>
+        <a:font script="Sinh" typeface="Iskoola Pota"/>
+        <a:font script="Mong" typeface="Mongolian Baiti"/>
+        <a:font script="Viet" typeface="Arial"/>
+        <a:font script="Uigh" typeface="Microsoft Uighur"/>
+        <a:font script="Geor" typeface="Sylfaen"/>
+      </a:minorFont>
+    </a:fontScheme>
+    <a:fmtScheme name="Office">
+      <a:fillStyleLst>
+        <a:solidFill>
+          <a:schemeClr val="phClr"/>
+        </a:solidFill>
+        <a:gradFill rotWithShape="1">
+          <a:gsLst>
+            <a:gs pos="0">
+              <a:schemeClr val="phClr">
+                <a:lumMod val="110000"/>
+                <a:satMod val="105000"/>
+                <a:tint val="67000"/>
+              </a:schemeClr>
+            </a:gs>
+            <a:gs pos="50000">
+              <a:schemeClr val="phClr">
+                <a:lumMod val="105000"/>
+                <a:satMod val="103000"/>
+                <a:tint val="73000"/>
+              </a:schemeClr>
+            </a:gs>
+            <a:gs pos="100000">
+              <a:schemeClr val="phClr">
+                <a:lumMod val="105000"/>
+                <a:satMod val="109000"/>
+                <a:tint val="81000"/>
+              </a:schemeClr>
+            </a:gs>
+          </a:gsLst>
+          <a:lin ang="5400000" scaled="0"/>
+        </a:gradFill>
+        <a:gradFill rotWithShape="1">
+          <a:gsLst>
+            <a:gs pos="0">
+              <a:schemeClr val="phClr">
+                <a:satMod val="103000"/>
+                <a:lumMod val="102000"/>
+                <a:tint val="94000"/>
+              </a:schemeClr>
+            </a:gs>
+            <a:gs pos="50000">
+              <a:schemeClr val="phClr">
+                <a:satMod val="110000"/>
+                <a:lumMod val="100000"/>
+                <a:shade val="100000"/>
+              </a:schemeClr>
+            </a:gs>
+            <a:gs pos="100000">
+              <a:schemeClr val="phClr">
+                <a:lumMod val="99000"/>
+                <a:satMod val="120000"/>
+                <a:shade val="78000"/>
+              </a:schemeClr>
+            </a:gs>
+          </a:gsLst>
+          <a:lin ang="5400000" scaled="0"/>
+        </a:gradFill>
+      </a:fillStyleLst>
+      <a:lnStyleLst>
+        <a:ln w="6350" cap="flat" cmpd="sng" algn="ctr">
+          <a:solidFill>
+            <a:schemeClr val="phClr"/>
+          </a:solidFill>
+          <a:prstDash val="solid"/>
+          <a:miter lim="800000"/>
+        </a:ln>
+        <a:ln w="12700" cap="flat" cmpd="sng" algn="ctr">
+          <a:solidFill>
+            <a:schemeClr val="phClr"/>
+          </a:solidFill>
+          <a:prstDash val="solid"/>
+          <a:miter lim="800000"/>
+        </a:ln>
+        <a:ln w="19050" cap="flat" cmpd="sng" algn="ctr">
+          <a:solidFill>
+            <a:schemeClr val="phClr"/>
+          </a:solidFill>
+          <a:prstDash val="solid"/>
+          <a:miter lim="800000"/>
+        </a:ln>
+      </a:lnStyleLst>
+      <a:effectStyleLst>
+        <a:effectStyle>
+          <a:effectLst/>
+        </a:effectStyle>
+        <a:effectStyle>
+          <a:effectLst/>
+        </a:effectStyle>
+        <a:effectStyle>
+          <a:effectLst>
+            <a:outerShdw blurRad="57150" dist="19050" dir="5400000" algn="ctr" rotWithShape="0">
+              <a:srgbClr val="000000">
+                <a:alpha val="63000"/>
+              </a:srgbClr>
+            </a:outerShdw>
+          </a:effectLst>
+        </a:effectStyle>
+      </a:effectStyleLst>
+      <a:bgFillStyleLst>
+        <a:solidFill>
+          <a:schemeClr val="phClr"/>
+        </a:solidFill>
+        <a:solidFill>
+          <a:schemeClr val="phClr">
+            <a:tint val="95000"/>
+            <a:satMod val="170000"/>
+          </a:schemeClr>
+        </a:solidFill>
+        <a:gradFill rotWithShape="1">
+          <a:gsLst>
+            <a:gs pos="0">
+              <a:schemeClr val="phClr">
+                <a:tint val="93000"/>
+                <a:satMod val="150000"/>
+                <a:shade val="98000"/>
+                <a:lumMod val="102000"/>
+              </a:schemeClr>
+            </a:gs>
+            <a:gs pos="50000">
+              <a:schemeClr val="phClr">
+                <a:tint val="98000"/>
+                <a:satMod val="130000"/>
+                <a:shade val="90000"/>
+                <a:lumMod val="103000"/>
+              </a:schemeClr>
+            </a:gs>
+            <a:gs pos="100000">
+              <a:schemeClr val="phClr">
+                <a:shade val="63000"/>
+                <a:satMod val="120000"/>
+              </a:schemeClr>
+            </a:gs>
+          </a:gsLst>
+          <a:lin ang="5400000" scaled="0"/>
+        </a:gradFill>
+      </a:bgFillStyleLst>
+    </a:fmtScheme>
+  </a:themeElements>
+  <a:objectDefaults/>
+  <a:extraClrSchemeLst/>
+  <a:extLst>
+    <a:ext uri="{05A4C25C-085E-4340-85A3-A5531E510DB2}">
+      <thm15:themeFamily xmlns:thm15="http://schemas.microsoft.com/office/thememl/2012/main" name="Office Theme" id="{62F939B6-93AF-4DB8-9C6B-D6C7DFDC589F}" vid="{4A3C46E8-61CC-4603-A589-7422A47A8E4A}"/>
+    </a:ext>
+  </a:extLst>
+</a:theme>
 </file>
--- a/05_ReleaseDocs/Initial Release_3_10_2017/Presentation.pptx
+++ b/05_ReleaseDocs/Initial Release_3_10_2017/Presentation.pptx
@@ -4293,38 +4293,40 @@
         </p:nvSpPr>
         <p:spPr/>
         <p:txBody>
-          <a:bodyPr/>
+          <a:bodyPr>
+            <a:normAutofit/>
+          </a:bodyPr>
           <a:lstStyle/>
           <a:p>
             <a:r>
-              <a:rPr lang="de-AT" dirty="0" err="1" smtClean="0"/>
+              <a:rPr lang="de-AT" sz="2800" dirty="0" err="1" smtClean="0"/>
               <a:t>Danijal</a:t>
             </a:r>
             <a:r>
-              <a:rPr lang="de-AT" dirty="0" smtClean="0"/>
+              <a:rPr lang="de-AT" sz="2800" dirty="0" smtClean="0"/>
               <a:t> </a:t>
             </a:r>
             <a:r>
-              <a:rPr lang="de-AT" dirty="0" err="1" smtClean="0"/>
+              <a:rPr lang="de-AT" sz="2800" dirty="0" err="1" smtClean="0"/>
               <a:t>orascanin</a:t>
             </a:r>
             <a:r>
-              <a:rPr lang="de-AT" dirty="0" smtClean="0"/>
+              <a:rPr lang="de-AT" sz="2800" dirty="0" smtClean="0"/>
               <a:t>, </a:t>
             </a:r>
             <a:r>
-              <a:rPr lang="de-AT" dirty="0" err="1" smtClean="0"/>
+              <a:rPr lang="de-AT" sz="2800" dirty="0" err="1" smtClean="0"/>
               <a:t>eva</a:t>
             </a:r>
             <a:r>
-              <a:rPr lang="de-AT" dirty="0" smtClean="0"/>
+              <a:rPr lang="de-AT" sz="2800" dirty="0" smtClean="0"/>
               <a:t> </a:t>
             </a:r>
             <a:r>
-              <a:rPr lang="de-AT" dirty="0" err="1" smtClean="0"/>
+              <a:rPr lang="de-AT" sz="2800" dirty="0" err="1" smtClean="0"/>
               <a:t>pürmayr</a:t>
             </a:r>
-            <a:endParaRPr lang="de-AT" dirty="0"/>
+            <a:endParaRPr lang="de-AT" sz="2800" dirty="0"/>
           </a:p>
         </p:txBody>
       </p:sp>
@@ -4374,7 +4376,7 @@
           <a:lstStyle/>
           <a:p>
             <a:r>
-              <a:rPr lang="de-AT" dirty="0" err="1" smtClean="0"/>
+              <a:rPr lang="de-AT" sz="5400" dirty="0" err="1" smtClean="0"/>
               <a:t>Overview</a:t>
             </a:r>
             <a:endParaRPr lang="de-AT" dirty="0"/>
@@ -4393,7 +4395,9 @@
         </p:nvSpPr>
         <p:spPr/>
         <p:txBody>
-          <a:bodyPr/>
+          <a:bodyPr>
+            <a:normAutofit/>
+          </a:bodyPr>
           <a:lstStyle/>
           <a:p>
             <a:pPr>
@@ -4401,46 +4405,46 @@
               <a:buChar char="•"/>
             </a:pPr>
             <a:r>
-              <a:rPr lang="de-AT" dirty="0"/>
+              <a:rPr lang="de-AT" sz="2400" dirty="0"/>
               <a:t> </a:t>
             </a:r>
             <a:r>
-              <a:rPr lang="de-AT" dirty="0" err="1" smtClean="0"/>
+              <a:rPr lang="de-AT" sz="2400" dirty="0" err="1" smtClean="0"/>
               <a:t>What</a:t>
             </a:r>
             <a:r>
-              <a:rPr lang="de-AT" dirty="0" smtClean="0"/>
+              <a:rPr lang="de-AT" sz="2400" dirty="0" smtClean="0"/>
               <a:t> </a:t>
             </a:r>
             <a:r>
-              <a:rPr lang="de-AT" dirty="0" err="1" smtClean="0"/>
+              <a:rPr lang="de-AT" sz="2400" dirty="0" err="1" smtClean="0"/>
               <a:t>is</a:t>
             </a:r>
             <a:r>
-              <a:rPr lang="de-AT" dirty="0" smtClean="0"/>
+              <a:rPr lang="de-AT" sz="2400" dirty="0" smtClean="0"/>
               <a:t> </a:t>
             </a:r>
             <a:r>
-              <a:rPr lang="de-AT" dirty="0" err="1" smtClean="0"/>
+              <a:rPr lang="de-AT" sz="2400" dirty="0" err="1" smtClean="0"/>
               <a:t>the</a:t>
             </a:r>
             <a:r>
-              <a:rPr lang="de-AT" dirty="0" smtClean="0"/>
+              <a:rPr lang="de-AT" sz="2400" dirty="0" smtClean="0"/>
               <a:t> </a:t>
             </a:r>
             <a:r>
-              <a:rPr lang="de-AT" dirty="0" err="1" smtClean="0"/>
+              <a:rPr lang="de-AT" sz="2400" dirty="0" err="1" smtClean="0"/>
               <a:t>project</a:t>
             </a:r>
             <a:r>
-              <a:rPr lang="de-AT" dirty="0" smtClean="0"/>
+              <a:rPr lang="de-AT" sz="2400" dirty="0" smtClean="0"/>
               <a:t> </a:t>
             </a:r>
             <a:r>
-              <a:rPr lang="de-AT" dirty="0" err="1" smtClean="0"/>
+              <a:rPr lang="de-AT" sz="2400" dirty="0" err="1" smtClean="0"/>
               <a:t>about</a:t>
             </a:r>
-            <a:endParaRPr lang="de-AT" dirty="0" smtClean="0"/>
+            <a:endParaRPr lang="de-AT" sz="2400" dirty="0" smtClean="0"/>
           </a:p>
           <a:p>
             <a:pPr>
@@ -4448,14 +4452,14 @@
               <a:buChar char="•"/>
             </a:pPr>
             <a:r>
-              <a:rPr lang="de-AT" dirty="0" smtClean="0"/>
+              <a:rPr lang="de-AT" sz="2400" dirty="0" smtClean="0"/>
               <a:t> Feature </a:t>
             </a:r>
             <a:r>
-              <a:rPr lang="de-AT" dirty="0" err="1" smtClean="0"/>
+              <a:rPr lang="de-AT" sz="2400" dirty="0" err="1" smtClean="0"/>
               <a:t>list</a:t>
             </a:r>
-            <a:endParaRPr lang="de-AT" dirty="0" smtClean="0"/>
+            <a:endParaRPr lang="de-AT" sz="2400" dirty="0" smtClean="0"/>
           </a:p>
           <a:p>
             <a:pPr>
@@ -4463,7 +4467,7 @@
               <a:buChar char="•"/>
             </a:pPr>
             <a:r>
-              <a:rPr lang="de-AT" dirty="0" smtClean="0"/>
+              <a:rPr lang="de-AT" sz="2400" dirty="0" smtClean="0"/>
               <a:t> Live Demo</a:t>
             </a:r>
           </a:p>
@@ -4473,58 +4477,58 @@
               <a:buChar char="•"/>
             </a:pPr>
             <a:r>
-              <a:rPr lang="de-AT" dirty="0" err="1" smtClean="0"/>
+              <a:rPr lang="de-AT" sz="2400" dirty="0" err="1" smtClean="0"/>
               <a:t>Planning</a:t>
             </a:r>
             <a:r>
-              <a:rPr lang="de-AT" dirty="0" smtClean="0"/>
+              <a:rPr lang="de-AT" sz="2400" dirty="0" smtClean="0"/>
               <a:t> </a:t>
             </a:r>
             <a:r>
-              <a:rPr lang="de-AT" dirty="0" err="1" smtClean="0"/>
+              <a:rPr lang="de-AT" sz="2400" dirty="0" err="1" smtClean="0"/>
               <a:t>for</a:t>
             </a:r>
             <a:r>
-              <a:rPr lang="de-AT" dirty="0" smtClean="0"/>
+              <a:rPr lang="de-AT" sz="2400" dirty="0" smtClean="0"/>
               <a:t> </a:t>
             </a:r>
             <a:r>
-              <a:rPr lang="de-AT" dirty="0" err="1" smtClean="0"/>
+              <a:rPr lang="de-AT" sz="2400" dirty="0" err="1" smtClean="0"/>
               <a:t>the</a:t>
             </a:r>
             <a:r>
-              <a:rPr lang="de-AT" dirty="0" smtClean="0"/>
+              <a:rPr lang="de-AT" sz="2400" dirty="0" smtClean="0"/>
               <a:t> </a:t>
             </a:r>
             <a:r>
-              <a:rPr lang="de-AT" dirty="0" err="1" smtClean="0"/>
+              <a:rPr lang="de-AT" sz="2400" dirty="0" err="1" smtClean="0"/>
               <a:t>rest</a:t>
             </a:r>
             <a:r>
-              <a:rPr lang="de-AT" dirty="0" smtClean="0"/>
+              <a:rPr lang="de-AT" sz="2400" dirty="0" smtClean="0"/>
               <a:t> </a:t>
             </a:r>
             <a:r>
-              <a:rPr lang="de-AT" dirty="0" err="1" smtClean="0"/>
+              <a:rPr lang="de-AT" sz="2400" dirty="0" err="1" smtClean="0"/>
               <a:t>of</a:t>
             </a:r>
             <a:r>
-              <a:rPr lang="de-AT" dirty="0" smtClean="0"/>
+              <a:rPr lang="de-AT" sz="2400" dirty="0" smtClean="0"/>
               <a:t> </a:t>
             </a:r>
             <a:r>
-              <a:rPr lang="de-AT" dirty="0" err="1" smtClean="0"/>
+              <a:rPr lang="de-AT" sz="2400" dirty="0" err="1" smtClean="0"/>
               <a:t>the</a:t>
             </a:r>
             <a:r>
-              <a:rPr lang="de-AT" dirty="0" smtClean="0"/>
+              <a:rPr lang="de-AT" sz="2400" dirty="0" smtClean="0"/>
               <a:t> </a:t>
             </a:r>
             <a:r>
-              <a:rPr lang="de-AT" dirty="0" err="1" smtClean="0"/>
+              <a:rPr lang="de-AT" sz="2400" dirty="0" err="1" smtClean="0"/>
               <a:t>year</a:t>
             </a:r>
-            <a:endParaRPr lang="de-AT" dirty="0"/>
+            <a:endParaRPr lang="de-AT" sz="2400" dirty="0"/>
           </a:p>
         </p:txBody>
       </p:sp>
@@ -4570,46 +4574,48 @@
         </p:nvSpPr>
         <p:spPr/>
         <p:txBody>
-          <a:bodyPr/>
+          <a:bodyPr>
+            <a:normAutofit/>
+          </a:bodyPr>
           <a:lstStyle/>
           <a:p>
             <a:r>
-              <a:rPr lang="de-AT" dirty="0" err="1" smtClean="0"/>
+              <a:rPr lang="de-AT" sz="5400" dirty="0" err="1" smtClean="0"/>
               <a:t>What</a:t>
             </a:r>
             <a:r>
-              <a:rPr lang="de-AT" dirty="0" smtClean="0"/>
+              <a:rPr lang="de-AT" sz="5400" dirty="0" smtClean="0"/>
               <a:t> </a:t>
             </a:r>
             <a:r>
-              <a:rPr lang="de-AT" dirty="0" err="1" smtClean="0"/>
+              <a:rPr lang="de-AT" sz="5400" dirty="0" err="1" smtClean="0"/>
               <a:t>is</a:t>
             </a:r>
             <a:r>
-              <a:rPr lang="de-AT" dirty="0" smtClean="0"/>
+              <a:rPr lang="de-AT" sz="5400" dirty="0" smtClean="0"/>
               <a:t> </a:t>
             </a:r>
             <a:r>
-              <a:rPr lang="de-AT" dirty="0" err="1" smtClean="0"/>
+              <a:rPr lang="de-AT" sz="5400" dirty="0" err="1" smtClean="0"/>
               <a:t>the</a:t>
             </a:r>
             <a:r>
-              <a:rPr lang="de-AT" dirty="0" smtClean="0"/>
+              <a:rPr lang="de-AT" sz="5400" dirty="0" smtClean="0"/>
               <a:t> </a:t>
             </a:r>
             <a:r>
-              <a:rPr lang="de-AT" dirty="0" err="1" smtClean="0"/>
+              <a:rPr lang="de-AT" sz="5400" dirty="0" err="1" smtClean="0"/>
               <a:t>project</a:t>
             </a:r>
             <a:r>
-              <a:rPr lang="de-AT" dirty="0" smtClean="0"/>
+              <a:rPr lang="de-AT" sz="5400" dirty="0" smtClean="0"/>
               <a:t> </a:t>
             </a:r>
             <a:r>
-              <a:rPr lang="de-AT" dirty="0" err="1" smtClean="0"/>
+              <a:rPr lang="de-AT" sz="5400" dirty="0" err="1" smtClean="0"/>
               <a:t>about</a:t>
             </a:r>
-            <a:endParaRPr lang="de-AT" dirty="0"/>
+            <a:endParaRPr lang="de-AT" sz="5400" dirty="0"/>
           </a:p>
         </p:txBody>
       </p:sp>
@@ -4633,56 +4639,52 @@
               <a:buChar char="•"/>
             </a:pPr>
             <a:r>
-              <a:rPr lang="de-AT" dirty="0"/>
+              <a:rPr lang="de-AT" sz="2400" dirty="0"/>
               <a:t> </a:t>
             </a:r>
             <a:r>
-              <a:rPr lang="de-AT" dirty="0" smtClean="0"/>
+              <a:rPr lang="de-AT" sz="2400" dirty="0" smtClean="0"/>
               <a:t>Online </a:t>
             </a:r>
             <a:r>
-              <a:rPr lang="de-AT" dirty="0" err="1" smtClean="0"/>
+              <a:rPr lang="de-AT" sz="2400" dirty="0" err="1" smtClean="0"/>
               <a:t>tutoring</a:t>
             </a:r>
             <a:r>
-              <a:rPr lang="de-AT" dirty="0" smtClean="0"/>
+              <a:rPr lang="de-AT" sz="2400" dirty="0" smtClean="0"/>
               <a:t> </a:t>
             </a:r>
             <a:r>
-              <a:rPr lang="de-AT" dirty="0" err="1" smtClean="0"/>
+              <a:rPr lang="de-AT" sz="2400" dirty="0" err="1" smtClean="0"/>
               <a:t>market</a:t>
             </a:r>
             <a:r>
-              <a:rPr lang="de-AT" dirty="0" smtClean="0"/>
+              <a:rPr lang="de-AT" sz="2400" dirty="0" smtClean="0"/>
               <a:t> in </a:t>
             </a:r>
             <a:r>
-              <a:rPr lang="de-AT" dirty="0" err="1" smtClean="0"/>
+              <a:rPr lang="de-AT" sz="2400" dirty="0" err="1" smtClean="0"/>
               <a:t>cooperation</a:t>
             </a:r>
             <a:r>
-              <a:rPr lang="de-AT" dirty="0" smtClean="0"/>
+              <a:rPr lang="de-AT" sz="2400" dirty="0" smtClean="0"/>
               <a:t> </a:t>
             </a:r>
             <a:r>
-              <a:rPr lang="de-AT" dirty="0" err="1" smtClean="0"/>
+              <a:rPr lang="de-AT" sz="2400" dirty="0" err="1" smtClean="0"/>
               <a:t>with</a:t>
             </a:r>
             <a:r>
-              <a:rPr lang="de-AT" dirty="0" smtClean="0"/>
+              <a:rPr lang="de-AT" sz="2400" dirty="0" smtClean="0"/>
               <a:t> </a:t>
             </a:r>
             <a:r>
-              <a:rPr lang="de-AT" dirty="0" err="1" smtClean="0"/>
+              <a:rPr lang="de-AT" sz="2400" dirty="0" err="1" smtClean="0"/>
               <a:t>Mrs</a:t>
             </a:r>
             <a:r>
-              <a:rPr lang="de-AT" dirty="0" smtClean="0"/>
-              <a:t> </a:t>
-            </a:r>
-            <a:r>
-              <a:rPr lang="de-AT" dirty="0" smtClean="0"/>
-              <a:t>Keck</a:t>
+              <a:rPr lang="de-AT" sz="2400" dirty="0" smtClean="0"/>
+              <a:t> Keck</a:t>
             </a:r>
           </a:p>
           <a:p>
@@ -4691,79 +4693,79 @@
               <a:buChar char="•"/>
             </a:pPr>
             <a:r>
-              <a:rPr lang="de-AT" dirty="0" smtClean="0"/>
+              <a:rPr lang="de-AT" sz="2400" dirty="0" smtClean="0"/>
               <a:t> </a:t>
             </a:r>
             <a:r>
-              <a:rPr lang="de-AT" dirty="0" err="1" smtClean="0"/>
+              <a:rPr lang="de-AT" sz="2400" dirty="0" err="1" smtClean="0"/>
               <a:t>Disadvantages</a:t>
             </a:r>
             <a:r>
-              <a:rPr lang="de-AT" dirty="0" smtClean="0"/>
+              <a:rPr lang="de-AT" sz="2400" dirty="0" smtClean="0"/>
               <a:t>: </a:t>
             </a:r>
             <a:r>
-              <a:rPr lang="de-AT" dirty="0" err="1" smtClean="0"/>
+              <a:rPr lang="de-AT" sz="2400" dirty="0" err="1" smtClean="0"/>
               <a:t>No</a:t>
             </a:r>
             <a:r>
-              <a:rPr lang="de-AT" dirty="0" smtClean="0"/>
+              <a:rPr lang="de-AT" sz="2400" dirty="0" smtClean="0"/>
               <a:t> </a:t>
             </a:r>
             <a:r>
-              <a:rPr lang="de-AT" dirty="0" err="1" smtClean="0"/>
+              <a:rPr lang="de-AT" sz="2400" dirty="0" err="1" smtClean="0"/>
               <a:t>images</a:t>
             </a:r>
             <a:r>
-              <a:rPr lang="de-AT" dirty="0" smtClean="0"/>
+              <a:rPr lang="de-AT" sz="2400" dirty="0" smtClean="0"/>
               <a:t>, </a:t>
             </a:r>
             <a:r>
-              <a:rPr lang="de-AT" dirty="0" err="1" smtClean="0"/>
+              <a:rPr lang="de-AT" sz="2400" dirty="0" err="1" smtClean="0"/>
               <a:t>system</a:t>
             </a:r>
             <a:r>
-              <a:rPr lang="de-AT" dirty="0" smtClean="0"/>
+              <a:rPr lang="de-AT" sz="2400" dirty="0" smtClean="0"/>
               <a:t> </a:t>
             </a:r>
             <a:r>
-              <a:rPr lang="de-AT" dirty="0" err="1" smtClean="0"/>
+              <a:rPr lang="de-AT" sz="2400" dirty="0" err="1" smtClean="0"/>
               <a:t>is</a:t>
             </a:r>
             <a:r>
-              <a:rPr lang="de-AT" dirty="0" smtClean="0"/>
+              <a:rPr lang="de-AT" sz="2400" dirty="0" smtClean="0"/>
               <a:t> </a:t>
             </a:r>
             <a:r>
-              <a:rPr lang="de-AT" dirty="0" err="1" smtClean="0"/>
+              <a:rPr lang="de-AT" sz="2400" dirty="0" err="1" smtClean="0"/>
               <a:t>outdated</a:t>
             </a:r>
             <a:r>
-              <a:rPr lang="de-AT" dirty="0" smtClean="0"/>
+              <a:rPr lang="de-AT" sz="2400" dirty="0" smtClean="0"/>
               <a:t>, </a:t>
             </a:r>
             <a:r>
-              <a:rPr lang="de-AT" dirty="0" err="1" smtClean="0"/>
+              <a:rPr lang="de-AT" sz="2400" dirty="0" err="1" smtClean="0"/>
               <a:t>no</a:t>
             </a:r>
             <a:r>
-              <a:rPr lang="de-AT" dirty="0" smtClean="0"/>
+              <a:rPr lang="de-AT" sz="2400" dirty="0" smtClean="0"/>
               <a:t> </a:t>
             </a:r>
             <a:r>
-              <a:rPr lang="de-AT" dirty="0" err="1" smtClean="0"/>
+              <a:rPr lang="de-AT" sz="2400" dirty="0" err="1" smtClean="0"/>
               <a:t>data</a:t>
             </a:r>
             <a:r>
-              <a:rPr lang="de-AT" dirty="0" smtClean="0"/>
+              <a:rPr lang="de-AT" sz="2400" dirty="0" smtClean="0"/>
               <a:t> </a:t>
             </a:r>
             <a:r>
-              <a:rPr lang="de-AT" dirty="0" err="1" smtClean="0"/>
+              <a:rPr lang="de-AT" sz="2400" dirty="0" err="1" smtClean="0"/>
               <a:t>assurance</a:t>
             </a:r>
             <a:r>
-              <a:rPr lang="de-AT" dirty="0" smtClean="0"/>
+              <a:rPr lang="de-AT" sz="2400" dirty="0" smtClean="0"/>
               <a:t>..</a:t>
             </a:r>
           </a:p>
@@ -4773,94 +4775,94 @@
               <a:buChar char="•"/>
             </a:pPr>
             <a:r>
-              <a:rPr lang="de-AT" dirty="0" smtClean="0"/>
+              <a:rPr lang="de-AT" sz="2400" dirty="0" smtClean="0"/>
               <a:t> Advantages: time </a:t>
             </a:r>
             <a:r>
-              <a:rPr lang="de-AT" dirty="0" err="1" smtClean="0"/>
+              <a:rPr lang="de-AT" sz="2400" dirty="0" err="1" smtClean="0"/>
               <a:t>saving</a:t>
             </a:r>
             <a:r>
-              <a:rPr lang="de-AT" dirty="0" smtClean="0"/>
+              <a:rPr lang="de-AT" sz="2400" dirty="0" smtClean="0"/>
               <a:t> </a:t>
             </a:r>
             <a:r>
-              <a:rPr lang="de-AT" dirty="0" err="1" smtClean="0"/>
+              <a:rPr lang="de-AT" sz="2400" dirty="0" err="1" smtClean="0"/>
               <a:t>for</a:t>
             </a:r>
             <a:r>
-              <a:rPr lang="de-AT" dirty="0" smtClean="0"/>
+              <a:rPr lang="de-AT" sz="2400" dirty="0" smtClean="0"/>
               <a:t> </a:t>
             </a:r>
             <a:r>
-              <a:rPr lang="de-AT" dirty="0" err="1" smtClean="0"/>
+              <a:rPr lang="de-AT" sz="2400" dirty="0" err="1" smtClean="0"/>
               <a:t>the</a:t>
             </a:r>
             <a:r>
-              <a:rPr lang="de-AT" dirty="0" smtClean="0"/>
+              <a:rPr lang="de-AT" sz="2400" dirty="0" smtClean="0"/>
               <a:t> </a:t>
             </a:r>
             <a:r>
-              <a:rPr lang="de-AT" dirty="0" err="1" smtClean="0"/>
+              <a:rPr lang="de-AT" sz="2400" dirty="0" err="1" smtClean="0"/>
               <a:t>adminsitrator</a:t>
             </a:r>
             <a:r>
-              <a:rPr lang="de-AT" dirty="0" smtClean="0"/>
+              <a:rPr lang="de-AT" sz="2400" dirty="0" smtClean="0"/>
               <a:t>, </a:t>
             </a:r>
             <a:r>
-              <a:rPr lang="de-AT" dirty="0" err="1" smtClean="0"/>
+              <a:rPr lang="de-AT" sz="2400" dirty="0" err="1" smtClean="0"/>
               <a:t>for</a:t>
             </a:r>
             <a:r>
-              <a:rPr lang="de-AT" dirty="0" smtClean="0"/>
+              <a:rPr lang="de-AT" sz="2400" dirty="0" smtClean="0"/>
               <a:t> </a:t>
             </a:r>
             <a:r>
-              <a:rPr lang="de-AT" dirty="0" err="1" smtClean="0"/>
+              <a:rPr lang="de-AT" sz="2400" dirty="0" err="1" smtClean="0"/>
               <a:t>the</a:t>
             </a:r>
             <a:r>
-              <a:rPr lang="de-AT" dirty="0" smtClean="0"/>
+              <a:rPr lang="de-AT" sz="2400" dirty="0" smtClean="0"/>
               <a:t> </a:t>
             </a:r>
             <a:r>
-              <a:rPr lang="de-AT" dirty="0" err="1" smtClean="0"/>
+              <a:rPr lang="de-AT" sz="2400" dirty="0" err="1" smtClean="0"/>
               <a:t>tutors</a:t>
             </a:r>
             <a:r>
-              <a:rPr lang="de-AT" dirty="0" smtClean="0"/>
+              <a:rPr lang="de-AT" sz="2400" dirty="0" smtClean="0"/>
               <a:t> </a:t>
             </a:r>
             <a:r>
-              <a:rPr lang="de-AT" dirty="0" err="1" smtClean="0"/>
+              <a:rPr lang="de-AT" sz="2400" dirty="0" err="1" smtClean="0"/>
               <a:t>and</a:t>
             </a:r>
             <a:r>
-              <a:rPr lang="de-AT" dirty="0" smtClean="0"/>
+              <a:rPr lang="de-AT" sz="2400" dirty="0" smtClean="0"/>
               <a:t> </a:t>
             </a:r>
             <a:r>
-              <a:rPr lang="de-AT" dirty="0" err="1" smtClean="0"/>
+              <a:rPr lang="de-AT" sz="2400" dirty="0" err="1" smtClean="0"/>
               <a:t>for</a:t>
             </a:r>
             <a:r>
-              <a:rPr lang="de-AT" dirty="0" smtClean="0"/>
+              <a:rPr lang="de-AT" sz="2400" dirty="0" smtClean="0"/>
               <a:t> </a:t>
             </a:r>
             <a:r>
-              <a:rPr lang="de-AT" dirty="0" err="1" smtClean="0"/>
+              <a:rPr lang="de-AT" sz="2400" dirty="0" err="1" smtClean="0"/>
               <a:t>the</a:t>
             </a:r>
             <a:r>
-              <a:rPr lang="de-AT" dirty="0" smtClean="0"/>
+              <a:rPr lang="de-AT" sz="2400" dirty="0" smtClean="0"/>
               <a:t> </a:t>
             </a:r>
             <a:r>
-              <a:rPr lang="de-AT" dirty="0" err="1" smtClean="0"/>
+              <a:rPr lang="de-AT" sz="2400" dirty="0" err="1" smtClean="0"/>
               <a:t>pupils</a:t>
             </a:r>
-            <a:endParaRPr lang="de-AT" dirty="0" smtClean="0"/>
+            <a:endParaRPr lang="de-AT" sz="2400" dirty="0" smtClean="0"/>
           </a:p>
           <a:p>
             <a:pPr>
@@ -4868,42 +4870,41 @@
               <a:buChar char="•"/>
             </a:pPr>
             <a:r>
-              <a:rPr lang="de-AT" dirty="0" smtClean="0"/>
+              <a:rPr lang="de-AT" sz="2400" dirty="0" smtClean="0"/>
               <a:t> Other </a:t>
             </a:r>
             <a:r>
-              <a:rPr lang="de-AT" dirty="0" err="1" smtClean="0"/>
+              <a:rPr lang="de-AT" sz="2400" dirty="0" err="1" smtClean="0"/>
               <a:t>software</a:t>
             </a:r>
             <a:r>
-              <a:rPr lang="de-AT" dirty="0" smtClean="0"/>
+              <a:rPr lang="de-AT" sz="2400" dirty="0" smtClean="0"/>
               <a:t> on </a:t>
             </a:r>
             <a:r>
-              <a:rPr lang="de-AT" dirty="0" err="1" smtClean="0"/>
+              <a:rPr lang="de-AT" sz="2400" dirty="0" err="1" smtClean="0"/>
               <a:t>the</a:t>
             </a:r>
             <a:r>
-              <a:rPr lang="de-AT" dirty="0" smtClean="0"/>
+              <a:rPr lang="de-AT" sz="2400" dirty="0" smtClean="0"/>
               <a:t> </a:t>
             </a:r>
             <a:r>
-              <a:rPr lang="de-AT" dirty="0" err="1" smtClean="0"/>
+              <a:rPr lang="de-AT" sz="2400" dirty="0" err="1" smtClean="0"/>
               <a:t>market</a:t>
             </a:r>
             <a:r>
-              <a:rPr lang="de-AT" dirty="0" smtClean="0"/>
+              <a:rPr lang="de-AT" sz="2400" dirty="0" smtClean="0"/>
               <a:t>: </a:t>
             </a:r>
             <a:r>
-              <a:rPr lang="de-AT" dirty="0" err="1" smtClean="0"/>
+              <a:rPr lang="de-AT" sz="2400" dirty="0" err="1" smtClean="0"/>
               <a:t>lernquadrat</a:t>
             </a:r>
             <a:r>
-              <a:rPr lang="de-AT" smtClean="0"/>
+              <a:rPr lang="de-AT" sz="2400" dirty="0" smtClean="0"/>
               <a:t>, talentify.me</a:t>
             </a:r>
-            <a:endParaRPr lang="de-AT" dirty="0" smtClean="0"/>
           </a:p>
           <a:p>
             <a:pPr>
@@ -4956,18 +4957,20 @@
         </p:nvSpPr>
         <p:spPr/>
         <p:txBody>
-          <a:bodyPr/>
+          <a:bodyPr>
+            <a:normAutofit/>
+          </a:bodyPr>
           <a:lstStyle/>
           <a:p>
             <a:r>
-              <a:rPr lang="de-AT" dirty="0" smtClean="0"/>
+              <a:rPr lang="de-AT" sz="5400" dirty="0" smtClean="0"/>
               <a:t>Feature </a:t>
             </a:r>
             <a:r>
-              <a:rPr lang="de-AT" dirty="0" err="1" smtClean="0"/>
+              <a:rPr lang="de-AT" sz="5400" dirty="0" err="1" smtClean="0"/>
               <a:t>list</a:t>
             </a:r>
-            <a:endParaRPr lang="de-AT" dirty="0"/>
+            <a:endParaRPr lang="de-AT" sz="5400" dirty="0"/>
           </a:p>
         </p:txBody>
       </p:sp>
@@ -5196,62 +5199,64 @@
         </p:nvSpPr>
         <p:spPr/>
         <p:txBody>
-          <a:bodyPr/>
+          <a:bodyPr>
+            <a:noAutofit/>
+          </a:bodyPr>
           <a:lstStyle/>
           <a:p>
             <a:r>
-              <a:rPr lang="de-AT" dirty="0" err="1" smtClean="0"/>
+              <a:rPr lang="de-AT" sz="5400" dirty="0" err="1" smtClean="0"/>
               <a:t>Planning</a:t>
             </a:r>
             <a:r>
-              <a:rPr lang="de-AT" dirty="0" smtClean="0"/>
+              <a:rPr lang="de-AT" sz="5400" dirty="0" smtClean="0"/>
               <a:t> </a:t>
             </a:r>
             <a:r>
-              <a:rPr lang="de-AT" dirty="0" err="1" smtClean="0"/>
+              <a:rPr lang="de-AT" sz="5400" dirty="0" err="1" smtClean="0"/>
               <a:t>for</a:t>
             </a:r>
             <a:r>
-              <a:rPr lang="de-AT" dirty="0" smtClean="0"/>
+              <a:rPr lang="de-AT" sz="5400" dirty="0" smtClean="0"/>
               <a:t> </a:t>
             </a:r>
             <a:r>
-              <a:rPr lang="de-AT" dirty="0" err="1" smtClean="0"/>
+              <a:rPr lang="de-AT" sz="5400" dirty="0" err="1" smtClean="0"/>
               <a:t>the</a:t>
             </a:r>
             <a:r>
-              <a:rPr lang="de-AT" dirty="0" smtClean="0"/>
+              <a:rPr lang="de-AT" sz="5400" dirty="0" smtClean="0"/>
               <a:t> </a:t>
             </a:r>
             <a:r>
-              <a:rPr lang="de-AT" dirty="0" err="1" smtClean="0"/>
+              <a:rPr lang="de-AT" sz="5400" dirty="0" err="1" smtClean="0"/>
               <a:t>rest</a:t>
             </a:r>
             <a:r>
-              <a:rPr lang="de-AT" dirty="0" smtClean="0"/>
+              <a:rPr lang="de-AT" sz="5400" dirty="0" smtClean="0"/>
               <a:t> </a:t>
             </a:r>
             <a:r>
-              <a:rPr lang="de-AT" dirty="0" err="1" smtClean="0"/>
+              <a:rPr lang="de-AT" sz="5400" dirty="0" err="1" smtClean="0"/>
               <a:t>of</a:t>
             </a:r>
             <a:r>
-              <a:rPr lang="de-AT" dirty="0" smtClean="0"/>
+              <a:rPr lang="de-AT" sz="5400" dirty="0" smtClean="0"/>
               <a:t> </a:t>
             </a:r>
             <a:r>
-              <a:rPr lang="de-AT" dirty="0" err="1" smtClean="0"/>
+              <a:rPr lang="de-AT" sz="5400" dirty="0" err="1" smtClean="0"/>
               <a:t>the</a:t>
             </a:r>
             <a:r>
-              <a:rPr lang="de-AT" dirty="0" smtClean="0"/>
+              <a:rPr lang="de-AT" sz="5400" dirty="0" smtClean="0"/>
               <a:t> </a:t>
             </a:r>
             <a:r>
-              <a:rPr lang="de-AT" dirty="0" err="1" smtClean="0"/>
+              <a:rPr lang="de-AT" sz="5400" dirty="0" err="1" smtClean="0"/>
               <a:t>year</a:t>
             </a:r>
-            <a:endParaRPr lang="de-AT" dirty="0"/>
+            <a:endParaRPr lang="de-AT" sz="5400" dirty="0"/>
           </a:p>
         </p:txBody>
       </p:sp>
@@ -5267,7 +5272,9 @@
         </p:nvSpPr>
         <p:spPr/>
         <p:txBody>
-          <a:bodyPr/>
+          <a:bodyPr>
+            <a:normAutofit/>
+          </a:bodyPr>
           <a:lstStyle/>
           <a:p>
             <a:pPr>
@@ -5275,19 +5282,19 @@
               <a:buChar char="•"/>
             </a:pPr>
             <a:r>
-              <a:rPr lang="de-AT" dirty="0"/>
+              <a:rPr lang="de-AT" sz="2400" dirty="0"/>
               <a:t> </a:t>
             </a:r>
             <a:r>
-              <a:rPr lang="de-AT" dirty="0" smtClean="0"/>
+              <a:rPr lang="de-AT" sz="2400" dirty="0" smtClean="0"/>
               <a:t>Minor </a:t>
             </a:r>
             <a:r>
-              <a:rPr lang="de-AT" dirty="0" err="1" smtClean="0"/>
+              <a:rPr lang="de-AT" sz="2400" dirty="0" err="1" smtClean="0"/>
               <a:t>bug</a:t>
             </a:r>
             <a:r>
-              <a:rPr lang="de-AT" dirty="0" smtClean="0"/>
+              <a:rPr lang="de-AT" sz="2400" dirty="0" smtClean="0"/>
               <a:t> fixes</a:t>
             </a:r>
           </a:p>
@@ -5297,22 +5304,22 @@
               <a:buChar char="•"/>
             </a:pPr>
             <a:r>
-              <a:rPr lang="de-AT" dirty="0" smtClean="0"/>
+              <a:rPr lang="de-AT" sz="2400" dirty="0" smtClean="0"/>
               <a:t> Images </a:t>
             </a:r>
             <a:r>
-              <a:rPr lang="de-AT" dirty="0" err="1" smtClean="0"/>
+              <a:rPr lang="de-AT" sz="2400" dirty="0" err="1" smtClean="0"/>
               <a:t>for</a:t>
             </a:r>
             <a:r>
-              <a:rPr lang="de-AT" dirty="0" smtClean="0"/>
+              <a:rPr lang="de-AT" sz="2400" dirty="0" smtClean="0"/>
               <a:t> </a:t>
             </a:r>
             <a:r>
-              <a:rPr lang="de-AT" dirty="0" err="1" smtClean="0"/>
+              <a:rPr lang="de-AT" sz="2400" dirty="0" err="1" smtClean="0"/>
               <a:t>tutors</a:t>
             </a:r>
-            <a:endParaRPr lang="de-AT" dirty="0" smtClean="0"/>
+            <a:endParaRPr lang="de-AT" sz="2400" dirty="0" smtClean="0"/>
           </a:p>
           <a:p>
             <a:pPr>
@@ -5320,22 +5327,22 @@
               <a:buChar char="•"/>
             </a:pPr>
             <a:r>
-              <a:rPr lang="de-AT" dirty="0"/>
+              <a:rPr lang="de-AT" sz="2400" dirty="0"/>
               <a:t> </a:t>
             </a:r>
             <a:r>
-              <a:rPr lang="de-AT" dirty="0" err="1" smtClean="0"/>
+              <a:rPr lang="de-AT" sz="2400" dirty="0" err="1" smtClean="0"/>
               <a:t>Sort</a:t>
             </a:r>
             <a:r>
-              <a:rPr lang="de-AT" dirty="0" smtClean="0"/>
+              <a:rPr lang="de-AT" sz="2400" dirty="0" smtClean="0"/>
               <a:t> </a:t>
             </a:r>
             <a:r>
-              <a:rPr lang="de-AT" dirty="0" err="1" smtClean="0"/>
+              <a:rPr lang="de-AT" sz="2400" dirty="0" err="1" smtClean="0"/>
               <a:t>tutors</a:t>
             </a:r>
-            <a:endParaRPr lang="de-AT" dirty="0" smtClean="0"/>
+            <a:endParaRPr lang="de-AT" sz="2400" dirty="0" smtClean="0"/>
           </a:p>
           <a:p>
             <a:pPr>
@@ -5343,87 +5350,87 @@
               <a:buChar char="•"/>
             </a:pPr>
             <a:r>
-              <a:rPr lang="de-AT" dirty="0"/>
+              <a:rPr lang="de-AT" sz="2400" dirty="0"/>
               <a:t> </a:t>
             </a:r>
             <a:r>
-              <a:rPr lang="de-AT" dirty="0" err="1" smtClean="0"/>
+              <a:rPr lang="de-AT" sz="2400" dirty="0" err="1" smtClean="0"/>
               <a:t>Extend</a:t>
             </a:r>
             <a:r>
-              <a:rPr lang="de-AT" dirty="0" smtClean="0"/>
+              <a:rPr lang="de-AT" sz="2400" dirty="0" smtClean="0"/>
               <a:t> </a:t>
             </a:r>
             <a:r>
-              <a:rPr lang="de-AT" dirty="0" err="1" smtClean="0"/>
+              <a:rPr lang="de-AT" sz="2400" dirty="0" err="1" smtClean="0"/>
               <a:t>administration</a:t>
             </a:r>
             <a:r>
-              <a:rPr lang="de-AT" dirty="0" smtClean="0"/>
+              <a:rPr lang="de-AT" sz="2400" dirty="0" smtClean="0"/>
               <a:t> </a:t>
             </a:r>
             <a:r>
-              <a:rPr lang="de-AT" dirty="0" err="1" smtClean="0"/>
+              <a:rPr lang="de-AT" sz="2400" dirty="0" err="1" smtClean="0"/>
               <a:t>area</a:t>
             </a:r>
             <a:r>
-              <a:rPr lang="de-AT" dirty="0" smtClean="0"/>
+              <a:rPr lang="de-AT" sz="2400" dirty="0" smtClean="0"/>
               <a:t> (</a:t>
             </a:r>
             <a:r>
-              <a:rPr lang="de-AT" dirty="0" err="1" smtClean="0"/>
+              <a:rPr lang="de-AT" sz="2400" dirty="0" err="1" smtClean="0"/>
               <a:t>statistic</a:t>
             </a:r>
             <a:r>
-              <a:rPr lang="de-AT" dirty="0" smtClean="0"/>
+              <a:rPr lang="de-AT" sz="2400" dirty="0" smtClean="0"/>
               <a:t>, </a:t>
             </a:r>
             <a:r>
-              <a:rPr lang="de-AT" dirty="0" err="1" smtClean="0"/>
+              <a:rPr lang="de-AT" sz="2400" dirty="0" err="1" smtClean="0"/>
               <a:t>edit</a:t>
             </a:r>
             <a:r>
-              <a:rPr lang="de-AT" dirty="0" smtClean="0"/>
+              <a:rPr lang="de-AT" sz="2400" dirty="0" smtClean="0"/>
               <a:t>/</a:t>
             </a:r>
             <a:r>
-              <a:rPr lang="de-AT" dirty="0" err="1" smtClean="0"/>
+              <a:rPr lang="de-AT" sz="2400" dirty="0" err="1" smtClean="0"/>
               <a:t>delete</a:t>
             </a:r>
             <a:r>
-              <a:rPr lang="de-AT" dirty="0" smtClean="0"/>
+              <a:rPr lang="de-AT" sz="2400" dirty="0" smtClean="0"/>
               <a:t> </a:t>
             </a:r>
             <a:r>
-              <a:rPr lang="de-AT" dirty="0" err="1" smtClean="0"/>
+              <a:rPr lang="de-AT" sz="2400" dirty="0" err="1" smtClean="0"/>
               <a:t>tutors</a:t>
             </a:r>
             <a:r>
-              <a:rPr lang="de-AT" dirty="0" smtClean="0"/>
+              <a:rPr lang="de-AT" sz="2400" dirty="0" smtClean="0"/>
               <a:t>, </a:t>
             </a:r>
             <a:r>
-              <a:rPr lang="de-AT" dirty="0" err="1" smtClean="0"/>
+              <a:rPr lang="de-AT" sz="2400" dirty="0" err="1" smtClean="0"/>
               <a:t>accecpt</a:t>
             </a:r>
             <a:r>
-              <a:rPr lang="de-AT" dirty="0" smtClean="0"/>
+              <a:rPr lang="de-AT" sz="2400" dirty="0" smtClean="0"/>
               <a:t>/</a:t>
             </a:r>
             <a:r>
-              <a:rPr lang="de-AT" dirty="0" err="1" smtClean="0"/>
+              <a:rPr lang="de-AT" sz="2400" dirty="0" err="1" smtClean="0"/>
               <a:t>reject</a:t>
             </a:r>
             <a:r>
-              <a:rPr lang="de-AT" dirty="0" smtClean="0"/>
+              <a:rPr lang="de-AT" sz="2400" dirty="0" smtClean="0"/>
               <a:t> </a:t>
             </a:r>
             <a:r>
-              <a:rPr lang="de-AT" dirty="0" err="1" smtClean="0"/>
+              <a:rPr lang="de-AT" sz="2400" dirty="0" err="1" smtClean="0"/>
               <a:t>reviews</a:t>
             </a:r>
             <a:r>
-              <a:rPr lang="de-AT" dirty="0" smtClean="0"/>
+              <a:rPr lang="de-AT" sz="2400" dirty="0" smtClean="0"/>
               <a:t>)</a:t>
             </a:r>
           </a:p>
@@ -5433,26 +5440,26 @@
               <a:buChar char="•"/>
             </a:pPr>
             <a:r>
-              <a:rPr lang="de-AT" dirty="0"/>
+              <a:rPr lang="de-AT" sz="2400" dirty="0"/>
               <a:t> </a:t>
             </a:r>
             <a:r>
-              <a:rPr lang="de-AT" dirty="0" smtClean="0"/>
+              <a:rPr lang="de-AT" sz="2400" dirty="0" smtClean="0"/>
               <a:t>Reviews </a:t>
             </a:r>
             <a:r>
-              <a:rPr lang="de-AT" dirty="0" err="1" smtClean="0"/>
+              <a:rPr lang="de-AT" sz="2400" dirty="0" err="1" smtClean="0"/>
               <a:t>for</a:t>
             </a:r>
             <a:r>
-              <a:rPr lang="de-AT" dirty="0" smtClean="0"/>
+              <a:rPr lang="de-AT" sz="2400" dirty="0" smtClean="0"/>
               <a:t> </a:t>
             </a:r>
             <a:r>
-              <a:rPr lang="de-AT" dirty="0" err="1" smtClean="0"/>
+              <a:rPr lang="de-AT" sz="2400" dirty="0" err="1" smtClean="0"/>
               <a:t>tutors</a:t>
             </a:r>
-            <a:endParaRPr lang="de-AT" dirty="0" smtClean="0"/>
+            <a:endParaRPr lang="de-AT" sz="2400" dirty="0" smtClean="0"/>
           </a:p>
           <a:p>
             <a:pPr>
@@ -5460,39 +5467,39 @@
               <a:buChar char="•"/>
             </a:pPr>
             <a:r>
-              <a:rPr lang="de-AT" dirty="0"/>
+              <a:rPr lang="de-AT" sz="2400" dirty="0"/>
               <a:t> </a:t>
             </a:r>
             <a:r>
-              <a:rPr lang="de-AT" dirty="0" err="1" smtClean="0"/>
+              <a:rPr lang="de-AT" sz="2400" dirty="0" err="1" smtClean="0"/>
               <a:t>Contact</a:t>
             </a:r>
             <a:r>
-              <a:rPr lang="de-AT" dirty="0" smtClean="0"/>
+              <a:rPr lang="de-AT" sz="2400" dirty="0" smtClean="0"/>
               <a:t> </a:t>
             </a:r>
             <a:r>
-              <a:rPr lang="de-AT" dirty="0" err="1" smtClean="0"/>
+              <a:rPr lang="de-AT" sz="2400" dirty="0" err="1" smtClean="0"/>
               <a:t>tutors</a:t>
             </a:r>
             <a:r>
-              <a:rPr lang="de-AT" dirty="0" smtClean="0"/>
+              <a:rPr lang="de-AT" sz="2400" dirty="0" smtClean="0"/>
               <a:t> (Default email </a:t>
             </a:r>
             <a:r>
-              <a:rPr lang="de-AT" dirty="0" err="1" smtClean="0"/>
+              <a:rPr lang="de-AT" sz="2400" dirty="0" err="1" smtClean="0"/>
               <a:t>or</a:t>
             </a:r>
             <a:r>
-              <a:rPr lang="de-AT" dirty="0" smtClean="0"/>
+              <a:rPr lang="de-AT" sz="2400" dirty="0" smtClean="0"/>
               <a:t> </a:t>
             </a:r>
             <a:r>
-              <a:rPr lang="de-AT" dirty="0" err="1" smtClean="0"/>
+              <a:rPr lang="de-AT" sz="2400" dirty="0" err="1" smtClean="0"/>
               <a:t>sms</a:t>
             </a:r>
             <a:r>
-              <a:rPr lang="de-AT" dirty="0" smtClean="0"/>
+              <a:rPr lang="de-AT" sz="2400" dirty="0" smtClean="0"/>
               <a:t>)</a:t>
             </a:r>
           </a:p>
@@ -5501,7 +5508,7 @@
               <a:buFont typeface="Arial" panose="020B0604020202020204" pitchFamily="34" charset="0"/>
               <a:buChar char="•"/>
             </a:pPr>
-            <a:endParaRPr lang="de-AT" dirty="0" smtClean="0"/>
+            <a:endParaRPr lang="de-AT" sz="2400" dirty="0" smtClean="0"/>
           </a:p>
         </p:txBody>
       </p:sp>
@@ -5552,6 +5559,44 @@
           <a:p>
             <a:r>
               <a:rPr lang="de-AT" dirty="0" err="1" smtClean="0"/>
+              <a:t>Any</a:t>
+            </a:r>
+            <a:r>
+              <a:rPr lang="de-AT" dirty="0" smtClean="0"/>
+              <a:t> </a:t>
+            </a:r>
+            <a:r>
+              <a:rPr lang="de-AT" dirty="0" err="1" smtClean="0"/>
+              <a:t>Questions</a:t>
+            </a:r>
+            <a:r>
+              <a:rPr lang="de-AT" dirty="0" smtClean="0"/>
+              <a:t>?</a:t>
+            </a:r>
+            <a:br>
+              <a:rPr lang="de-AT" dirty="0" smtClean="0"/>
+            </a:br>
+            <a:endParaRPr lang="de-AT" dirty="0"/>
+          </a:p>
+        </p:txBody>
+      </p:sp>
+      <p:sp>
+        <p:nvSpPr>
+          <p:cNvPr id="3" name="Untertitel 2"/>
+          <p:cNvSpPr>
+            <a:spLocks noGrp="1"/>
+          </p:cNvSpPr>
+          <p:nvPr>
+            <p:ph type="subTitle" idx="1"/>
+          </p:nvPr>
+        </p:nvSpPr>
+        <p:spPr/>
+        <p:txBody>
+          <a:bodyPr/>
+          <a:lstStyle/>
+          <a:p>
+            <a:r>
+              <a:rPr lang="de-AT" dirty="0" err="1" smtClean="0"/>
               <a:t>Thank</a:t>
             </a:r>
             <a:r>
@@ -5597,25 +5642,6 @@
               <a:t></a:t>
             </a:r>
             <a:endParaRPr lang="de-AT" dirty="0"/>
-          </a:p>
-        </p:txBody>
-      </p:sp>
-      <p:sp>
-        <p:nvSpPr>
-          <p:cNvPr id="3" name="Untertitel 2"/>
-          <p:cNvSpPr>
-            <a:spLocks noGrp="1"/>
-          </p:cNvSpPr>
-          <p:nvPr>
-            <p:ph type="subTitle" idx="1"/>
-          </p:nvPr>
-        </p:nvSpPr>
-        <p:spPr/>
-        <p:txBody>
-          <a:bodyPr/>
-          <a:lstStyle/>
-          <a:p>
-            <a:endParaRPr lang="de-AT"/>
           </a:p>
         </p:txBody>
       </p:sp>

--- a/05_ReleaseDocs/Initial Release_3_10_2017/Presentation.pptx
+++ b/05_ReleaseDocs/Initial Release_3_10_2017/Presentation.pptx
@@ -214,7 +214,7 @@
           <a:p>
             <a:fld id="{5170B6F5-FF4F-4777-9DC9-C1C2118EDDF6}" type="datetimeFigureOut">
               <a:rPr lang="de-AT" smtClean="0"/>
-              <a:t>02.10.2017</a:t>
+              <a:t>03.10.2017</a:t>
             </a:fld>
             <a:endParaRPr lang="de-AT"/>
           </a:p>
@@ -792,7 +792,7 @@
           <a:p>
             <a:fld id="{1BA50D42-C9CD-4801-B293-61D1F53EC57E}" type="datetimeFigureOut">
               <a:rPr lang="de-DE" smtClean="0"/>
-              <a:t>02.10.2017</a:t>
+              <a:t>03.10.2017</a:t>
             </a:fld>
             <a:endParaRPr lang="de-DE"/>
           </a:p>
@@ -1000,7 +1000,7 @@
           <a:p>
             <a:fld id="{1BA50D42-C9CD-4801-B293-61D1F53EC57E}" type="datetimeFigureOut">
               <a:rPr lang="de-DE" smtClean="0"/>
-              <a:t>02.10.2017</a:t>
+              <a:t>03.10.2017</a:t>
             </a:fld>
             <a:endParaRPr lang="de-DE"/>
           </a:p>
@@ -1256,7 +1256,7 @@
           <a:p>
             <a:fld id="{1BA50D42-C9CD-4801-B293-61D1F53EC57E}" type="datetimeFigureOut">
               <a:rPr lang="de-DE" smtClean="0"/>
-              <a:t>02.10.2017</a:t>
+              <a:t>03.10.2017</a:t>
             </a:fld>
             <a:endParaRPr lang="de-DE"/>
           </a:p>
@@ -1426,7 +1426,7 @@
           <a:p>
             <a:fld id="{1BA50D42-C9CD-4801-B293-61D1F53EC57E}" type="datetimeFigureOut">
               <a:rPr lang="de-DE" smtClean="0"/>
-              <a:t>02.10.2017</a:t>
+              <a:t>03.10.2017</a:t>
             </a:fld>
             <a:endParaRPr lang="de-DE"/>
           </a:p>
@@ -1769,7 +1769,7 @@
           <a:p>
             <a:fld id="{1BA50D42-C9CD-4801-B293-61D1F53EC57E}" type="datetimeFigureOut">
               <a:rPr lang="de-DE" smtClean="0"/>
-              <a:t>02.10.2017</a:t>
+              <a:t>03.10.2017</a:t>
             </a:fld>
             <a:endParaRPr lang="de-DE"/>
           </a:p>
@@ -2044,7 +2044,7 @@
           <a:p>
             <a:fld id="{1BA50D42-C9CD-4801-B293-61D1F53EC57E}" type="datetimeFigureOut">
               <a:rPr lang="de-DE" smtClean="0"/>
-              <a:t>02.10.2017</a:t>
+              <a:t>03.10.2017</a:t>
             </a:fld>
             <a:endParaRPr lang="de-DE"/>
           </a:p>
@@ -2423,7 +2423,7 @@
           <a:p>
             <a:fld id="{1BA50D42-C9CD-4801-B293-61D1F53EC57E}" type="datetimeFigureOut">
               <a:rPr lang="de-DE" smtClean="0"/>
-              <a:t>02.10.2017</a:t>
+              <a:t>03.10.2017</a:t>
             </a:fld>
             <a:endParaRPr lang="de-DE"/>
           </a:p>
@@ -2541,7 +2541,7 @@
           <a:p>
             <a:fld id="{1BA50D42-C9CD-4801-B293-61D1F53EC57E}" type="datetimeFigureOut">
               <a:rPr lang="de-DE" smtClean="0"/>
-              <a:t>02.10.2017</a:t>
+              <a:t>03.10.2017</a:t>
             </a:fld>
             <a:endParaRPr lang="de-DE"/>
           </a:p>
@@ -2712,7 +2712,7 @@
           <a:p>
             <a:fld id="{1BA50D42-C9CD-4801-B293-61D1F53EC57E}" type="datetimeFigureOut">
               <a:rPr lang="de-DE" smtClean="0"/>
-              <a:t>02.10.2017</a:t>
+              <a:t>03.10.2017</a:t>
             </a:fld>
             <a:endParaRPr lang="de-DE"/>
           </a:p>
@@ -3066,7 +3066,7 @@
           <a:p>
             <a:fld id="{1BA50D42-C9CD-4801-B293-61D1F53EC57E}" type="datetimeFigureOut">
               <a:rPr lang="de-DE" smtClean="0"/>
-              <a:t>02.10.2017</a:t>
+              <a:t>03.10.2017</a:t>
             </a:fld>
             <a:endParaRPr lang="de-DE"/>
           </a:p>
@@ -3443,7 +3443,7 @@
           <a:p>
             <a:fld id="{1BA50D42-C9CD-4801-B293-61D1F53EC57E}" type="datetimeFigureOut">
               <a:rPr lang="de-DE" smtClean="0"/>
-              <a:t>02.10.2017</a:t>
+              <a:t>03.10.2017</a:t>
             </a:fld>
             <a:endParaRPr lang="de-DE"/>
           </a:p>
@@ -3730,7 +3730,7 @@
           <a:p>
             <a:fld id="{1BA50D42-C9CD-4801-B293-61D1F53EC57E}" type="datetimeFigureOut">
               <a:rPr lang="de-DE" smtClean="0"/>
-              <a:t>02.10.2017</a:t>
+              <a:t>03.10.2017</a:t>
             </a:fld>
             <a:endParaRPr lang="de-DE"/>
           </a:p>
@@ -4340,6 +4340,13 @@
   <p:clrMapOvr>
     <a:masterClrMapping/>
   </p:clrMapOvr>
+  <p:timing>
+    <p:tnLst>
+      <p:par>
+        <p:cTn id="1" dur="indefinite" restart="never" nodeType="tmRoot"/>
+      </p:par>
+    </p:tnLst>
+  </p:timing>
 </p:sld>
 </file>
 
@@ -4542,6 +4549,13 @@
   <p:clrMapOvr>
     <a:masterClrMapping/>
   </p:clrMapOvr>
+  <p:timing>
+    <p:tnLst>
+      <p:par>
+        <p:cTn id="1" dur="indefinite" restart="never" nodeType="tmRoot"/>
+      </p:par>
+    </p:tnLst>
+  </p:timing>
 </p:sld>
 </file>
 
@@ -4925,6 +4939,13 @@
   <p:clrMapOvr>
     <a:masterClrMapping/>
   </p:clrMapOvr>
+  <p:timing>
+    <p:tnLst>
+      <p:par>
+        <p:cTn id="1" dur="indefinite" restart="never" nodeType="tmRoot"/>
+      </p:par>
+    </p:tnLst>
+  </p:timing>
 </p:sld>
 </file>
 
@@ -5095,6 +5116,13 @@
   <p:clrMapOvr>
     <a:masterClrMapping/>
   </p:clrMapOvr>
+  <p:timing>
+    <p:tnLst>
+      <p:par>
+        <p:cTn id="1" dur="indefinite" restart="never" nodeType="tmRoot"/>
+      </p:par>
+    </p:tnLst>
+  </p:timing>
 </p:sld>
 </file>
 
@@ -5167,6 +5195,13 @@
   <p:clrMapOvr>
     <a:masterClrMapping/>
   </p:clrMapOvr>
+  <p:timing>
+    <p:tnLst>
+      <p:par>
+        <p:cTn id="1" dur="indefinite" restart="never" nodeType="tmRoot"/>
+      </p:par>
+    </p:tnLst>
+  </p:timing>
 </p:sld>
 </file>
 
@@ -5273,7 +5308,7 @@
         <p:spPr/>
         <p:txBody>
           <a:bodyPr>
-            <a:normAutofit/>
+            <a:normAutofit fontScale="92500" lnSpcReduction="10000"/>
           </a:bodyPr>
           <a:lstStyle/>
           <a:p>
@@ -5295,8 +5330,25 @@
             </a:r>
             <a:r>
               <a:rPr lang="de-AT" sz="2400" dirty="0" smtClean="0"/>
-              <a:t> fixes</a:t>
-            </a:r>
+              <a:t> </a:t>
+            </a:r>
+            <a:r>
+              <a:rPr lang="de-AT" sz="2400" dirty="0" smtClean="0"/>
+              <a:t>fixes, </a:t>
+            </a:r>
+            <a:r>
+              <a:rPr lang="de-AT" sz="2400" dirty="0" err="1" smtClean="0"/>
+              <a:t>Responsive</a:t>
+            </a:r>
+            <a:r>
+              <a:rPr lang="de-AT" sz="2400" dirty="0" smtClean="0"/>
+              <a:t> </a:t>
+            </a:r>
+            <a:r>
+              <a:rPr lang="de-AT" sz="2400" dirty="0" err="1" smtClean="0"/>
+              <a:t>website</a:t>
+            </a:r>
+            <a:endParaRPr lang="de-AT" sz="2400" dirty="0" smtClean="0"/>
           </a:p>
           <a:p>
             <a:pPr>
@@ -5305,11 +5357,35 @@
             </a:pPr>
             <a:r>
               <a:rPr lang="de-AT" sz="2400" dirty="0" smtClean="0"/>
-              <a:t> Images </a:t>
+              <a:t> Administration </a:t>
             </a:r>
             <a:r>
               <a:rPr lang="de-AT" sz="2400" dirty="0" err="1" smtClean="0"/>
-              <a:t>for</a:t>
+              <a:t>area</a:t>
+            </a:r>
+            <a:r>
+              <a:rPr lang="de-AT" sz="2400" dirty="0" smtClean="0"/>
+              <a:t> (</a:t>
+            </a:r>
+            <a:r>
+              <a:rPr lang="de-AT" sz="2400" dirty="0" err="1" smtClean="0"/>
+              <a:t>statistics</a:t>
+            </a:r>
+            <a:r>
+              <a:rPr lang="de-AT" sz="2400" dirty="0" smtClean="0"/>
+              <a:t>, </a:t>
+            </a:r>
+            <a:r>
+              <a:rPr lang="de-AT" sz="2400" dirty="0" err="1" smtClean="0"/>
+              <a:t>accept</a:t>
+            </a:r>
+            <a:r>
+              <a:rPr lang="de-AT" sz="2400" dirty="0" smtClean="0"/>
+              <a:t>/</a:t>
+            </a:r>
+            <a:r>
+              <a:rPr lang="de-AT" sz="2400" dirty="0" err="1" smtClean="0"/>
+              <a:t>reject</a:t>
             </a:r>
             <a:r>
               <a:rPr lang="de-AT" sz="2400" dirty="0" smtClean="0"/>
@@ -5319,7 +5395,10 @@
               <a:rPr lang="de-AT" sz="2400" dirty="0" err="1" smtClean="0"/>
               <a:t>tutors</a:t>
             </a:r>
-            <a:endParaRPr lang="de-AT" sz="2400" dirty="0" smtClean="0"/>
+            <a:r>
+              <a:rPr lang="de-AT" sz="2400" dirty="0" smtClean="0"/>
+              <a:t>)</a:t>
+            </a:r>
           </a:p>
           <a:p>
             <a:pPr>
@@ -5328,19 +5407,19 @@
             </a:pPr>
             <a:r>
               <a:rPr lang="de-AT" sz="2400" dirty="0"/>
-              <a:t> </a:t>
-            </a:r>
-            <a:r>
-              <a:rPr lang="de-AT" sz="2400" dirty="0" err="1" smtClean="0"/>
-              <a:t>Sort</a:t>
-            </a:r>
-            <a:r>
-              <a:rPr lang="de-AT" sz="2400" dirty="0" smtClean="0"/>
-              <a:t> </a:t>
-            </a:r>
-            <a:r>
-              <a:rPr lang="de-AT" sz="2400" dirty="0" err="1" smtClean="0"/>
-              <a:t>tutors</a:t>
+              <a:t> Comments </a:t>
+            </a:r>
+            <a:r>
+              <a:rPr lang="de-AT" sz="2400" dirty="0" err="1"/>
+              <a:t>for</a:t>
+            </a:r>
+            <a:r>
+              <a:rPr lang="de-AT" sz="2400" dirty="0"/>
+              <a:t> </a:t>
+            </a:r>
+            <a:r>
+              <a:rPr lang="de-AT" sz="2400" smtClean="0"/>
+              <a:t>teachers</a:t>
             </a:r>
             <a:endParaRPr lang="de-AT" sz="2400" dirty="0" smtClean="0"/>
           </a:p>
@@ -5354,84 +5433,24 @@
               <a:t> </a:t>
             </a:r>
             <a:r>
-              <a:rPr lang="de-AT" sz="2400" dirty="0" err="1" smtClean="0"/>
-              <a:t>Extend</a:t>
-            </a:r>
-            <a:r>
-              <a:rPr lang="de-AT" sz="2400" dirty="0" smtClean="0"/>
-              <a:t> </a:t>
-            </a:r>
-            <a:r>
-              <a:rPr lang="de-AT" sz="2400" dirty="0" err="1" smtClean="0"/>
-              <a:t>administration</a:t>
-            </a:r>
-            <a:r>
-              <a:rPr lang="de-AT" sz="2400" dirty="0" smtClean="0"/>
-              <a:t> </a:t>
-            </a:r>
-            <a:r>
-              <a:rPr lang="de-AT" sz="2400" dirty="0" err="1" smtClean="0"/>
-              <a:t>area</a:t>
-            </a:r>
-            <a:r>
-              <a:rPr lang="de-AT" sz="2400" dirty="0" smtClean="0"/>
-              <a:t> (</a:t>
-            </a:r>
-            <a:r>
-              <a:rPr lang="de-AT" sz="2400" dirty="0" err="1" smtClean="0"/>
-              <a:t>statistic</a:t>
-            </a:r>
-            <a:r>
-              <a:rPr lang="de-AT" sz="2400" dirty="0" smtClean="0"/>
-              <a:t>, </a:t>
-            </a:r>
-            <a:r>
-              <a:rPr lang="de-AT" sz="2400" dirty="0" err="1" smtClean="0"/>
-              <a:t>edit</a:t>
-            </a:r>
-            <a:r>
-              <a:rPr lang="de-AT" sz="2400" dirty="0" smtClean="0"/>
-              <a:t>/</a:t>
-            </a:r>
-            <a:r>
-              <a:rPr lang="de-AT" sz="2400" dirty="0" err="1" smtClean="0"/>
-              <a:t>delete</a:t>
-            </a:r>
-            <a:r>
-              <a:rPr lang="de-AT" sz="2400" dirty="0" smtClean="0"/>
-              <a:t> </a:t>
-            </a:r>
-            <a:r>
-              <a:rPr lang="de-AT" sz="2400" dirty="0" err="1" smtClean="0"/>
-              <a:t>tutors</a:t>
-            </a:r>
-            <a:r>
-              <a:rPr lang="de-AT" sz="2400" dirty="0" smtClean="0"/>
-              <a:t>, </a:t>
-            </a:r>
-            <a:r>
-              <a:rPr lang="de-AT" sz="2400" dirty="0" err="1" smtClean="0"/>
-              <a:t>accecpt</a:t>
-            </a:r>
-            <a:r>
-              <a:rPr lang="de-AT" sz="2400" dirty="0" smtClean="0"/>
-              <a:t>/</a:t>
-            </a:r>
-            <a:r>
-              <a:rPr lang="de-AT" sz="2400" dirty="0" err="1" smtClean="0"/>
-              <a:t>reject</a:t>
-            </a:r>
-            <a:r>
-              <a:rPr lang="de-AT" sz="2400" dirty="0" smtClean="0"/>
-              <a:t> </a:t>
-            </a:r>
-            <a:r>
-              <a:rPr lang="de-AT" sz="2400" dirty="0" err="1" smtClean="0"/>
-              <a:t>reviews</a:t>
-            </a:r>
-            <a:r>
-              <a:rPr lang="de-AT" sz="2400" dirty="0" smtClean="0"/>
-              <a:t>)</a:t>
+              <a:rPr lang="de-AT" sz="2400" dirty="0" err="1"/>
+              <a:t>Contact</a:t>
+            </a:r>
+            <a:r>
+              <a:rPr lang="de-AT" sz="2400" dirty="0"/>
+              <a:t> </a:t>
+            </a:r>
+            <a:r>
+              <a:rPr lang="de-AT" sz="2400" dirty="0" err="1"/>
+              <a:t>Mrs</a:t>
+            </a:r>
+            <a:r>
+              <a:rPr lang="de-AT" sz="2400" dirty="0"/>
+              <a:t> </a:t>
+            </a:r>
+            <a:r>
+              <a:rPr lang="de-AT" sz="2400" dirty="0" smtClean="0"/>
+              <a:t>Keck</a:t>
             </a:r>
           </a:p>
           <a:p>
@@ -5444,22 +5463,38 @@
               <a:t> </a:t>
             </a:r>
             <a:r>
-              <a:rPr lang="de-AT" sz="2400" dirty="0" smtClean="0"/>
-              <a:t>Reviews </a:t>
-            </a:r>
-            <a:r>
-              <a:rPr lang="de-AT" sz="2400" dirty="0" err="1" smtClean="0"/>
-              <a:t>for</a:t>
-            </a:r>
-            <a:r>
-              <a:rPr lang="de-AT" sz="2400" dirty="0" smtClean="0"/>
-              <a:t> </a:t>
-            </a:r>
-            <a:r>
-              <a:rPr lang="de-AT" sz="2400" dirty="0" err="1" smtClean="0"/>
+              <a:rPr lang="de-AT" sz="2400" dirty="0" err="1"/>
+              <a:t>Contact</a:t>
+            </a:r>
+            <a:r>
+              <a:rPr lang="de-AT" sz="2400" dirty="0"/>
+              <a:t> </a:t>
+            </a:r>
+            <a:r>
+              <a:rPr lang="de-AT" sz="2400" dirty="0" err="1"/>
               <a:t>tutors</a:t>
             </a:r>
-            <a:endParaRPr lang="de-AT" sz="2400" dirty="0" smtClean="0"/>
+            <a:r>
+              <a:rPr lang="de-AT" sz="2400" dirty="0"/>
+              <a:t> (Default email </a:t>
+            </a:r>
+            <a:r>
+              <a:rPr lang="de-AT" sz="2400" dirty="0" err="1"/>
+              <a:t>or</a:t>
+            </a:r>
+            <a:r>
+              <a:rPr lang="de-AT" sz="2400" dirty="0"/>
+              <a:t> </a:t>
+            </a:r>
+            <a:r>
+              <a:rPr lang="de-AT" sz="2400" dirty="0" err="1"/>
+              <a:t>sms</a:t>
+            </a:r>
+            <a:r>
+              <a:rPr lang="de-AT" sz="2400" dirty="0" smtClean="0"/>
+              <a:t>)</a:t>
+            </a:r>
+            <a:endParaRPr lang="de-AT" sz="2400" dirty="0"/>
           </a:p>
           <a:p>
             <a:pPr>
@@ -5467,12 +5502,12 @@
               <a:buChar char="•"/>
             </a:pPr>
             <a:r>
-              <a:rPr lang="de-AT" sz="2400" dirty="0"/>
-              <a:t> </a:t>
+              <a:rPr lang="de-AT" sz="2400" dirty="0" smtClean="0"/>
+              <a:t>Images </a:t>
             </a:r>
             <a:r>
               <a:rPr lang="de-AT" sz="2400" dirty="0" err="1" smtClean="0"/>
-              <a:t>Contact</a:t>
+              <a:t>for</a:t>
             </a:r>
             <a:r>
               <a:rPr lang="de-AT" sz="2400" dirty="0" smtClean="0"/>
@@ -5482,31 +5517,140 @@
               <a:rPr lang="de-AT" sz="2400" dirty="0" err="1" smtClean="0"/>
               <a:t>tutors</a:t>
             </a:r>
-            <a:r>
-              <a:rPr lang="de-AT" sz="2400" dirty="0" smtClean="0"/>
-              <a:t> (Default email </a:t>
-            </a:r>
-            <a:r>
-              <a:rPr lang="de-AT" sz="2400" dirty="0" err="1" smtClean="0"/>
-              <a:t>or</a:t>
-            </a:r>
-            <a:r>
-              <a:rPr lang="de-AT" sz="2400" dirty="0" smtClean="0"/>
-              <a:t> </a:t>
-            </a:r>
-            <a:r>
-              <a:rPr lang="de-AT" sz="2400" dirty="0" err="1" smtClean="0"/>
-              <a:t>sms</a:t>
-            </a:r>
-            <a:r>
-              <a:rPr lang="de-AT" sz="2400" dirty="0" smtClean="0"/>
-              <a:t>)</a:t>
-            </a:r>
+            <a:endParaRPr lang="de-AT" sz="2400" dirty="0" smtClean="0"/>
           </a:p>
           <a:p>
             <a:pPr>
               <a:buFont typeface="Arial" panose="020B0604020202020204" pitchFamily="34" charset="0"/>
               <a:buChar char="•"/>
+            </a:pPr>
+            <a:r>
+              <a:rPr lang="de-AT" sz="2400" dirty="0"/>
+              <a:t> </a:t>
+            </a:r>
+            <a:r>
+              <a:rPr lang="de-AT" sz="2400" dirty="0" err="1" smtClean="0"/>
+              <a:t>Sort</a:t>
+            </a:r>
+            <a:r>
+              <a:rPr lang="de-AT" sz="2400" dirty="0" smtClean="0"/>
+              <a:t> </a:t>
+            </a:r>
+            <a:r>
+              <a:rPr lang="de-AT" sz="2400" dirty="0" err="1" smtClean="0"/>
+              <a:t>tutors</a:t>
+            </a:r>
+            <a:endParaRPr lang="de-AT" sz="2400" dirty="0" smtClean="0"/>
+          </a:p>
+          <a:p>
+            <a:pPr>
+              <a:buFont typeface="Arial" panose="020B0604020202020204" pitchFamily="34" charset="0"/>
+              <a:buChar char="•"/>
+            </a:pPr>
+            <a:r>
+              <a:rPr lang="de-AT" sz="2400" dirty="0"/>
+              <a:t> </a:t>
+            </a:r>
+            <a:r>
+              <a:rPr lang="de-AT" sz="2400" dirty="0"/>
+              <a:t>A</a:t>
+            </a:r>
+            <a:r>
+              <a:rPr lang="de-AT" sz="2400" dirty="0" smtClean="0"/>
+              <a:t>dministration </a:t>
+            </a:r>
+            <a:r>
+              <a:rPr lang="de-AT" sz="2400" dirty="0" err="1" smtClean="0"/>
+              <a:t>area</a:t>
+            </a:r>
+            <a:r>
+              <a:rPr lang="de-AT" sz="2400" dirty="0" smtClean="0"/>
+              <a:t> </a:t>
+            </a:r>
+            <a:r>
+              <a:rPr lang="de-AT" sz="2400" dirty="0" smtClean="0"/>
+              <a:t>( </a:t>
+            </a:r>
+            <a:r>
+              <a:rPr lang="de-AT" sz="2400" dirty="0" err="1" smtClean="0"/>
+              <a:t>edit</a:t>
+            </a:r>
+            <a:r>
+              <a:rPr lang="de-AT" sz="2400" dirty="0" smtClean="0"/>
+              <a:t>/</a:t>
+            </a:r>
+            <a:r>
+              <a:rPr lang="de-AT" sz="2400" dirty="0" err="1" smtClean="0"/>
+              <a:t>delete</a:t>
+            </a:r>
+            <a:r>
+              <a:rPr lang="de-AT" sz="2400" dirty="0" smtClean="0"/>
+              <a:t> </a:t>
+            </a:r>
+            <a:r>
+              <a:rPr lang="de-AT" sz="2400" dirty="0" err="1" smtClean="0"/>
+              <a:t>tutors</a:t>
+            </a:r>
+            <a:r>
+              <a:rPr lang="de-AT" sz="2400" dirty="0" smtClean="0"/>
+              <a:t>, </a:t>
+            </a:r>
+            <a:r>
+              <a:rPr lang="de-AT" sz="2400" dirty="0" err="1" smtClean="0"/>
+              <a:t>accecpt</a:t>
+            </a:r>
+            <a:r>
+              <a:rPr lang="de-AT" sz="2400" dirty="0" smtClean="0"/>
+              <a:t>/</a:t>
+            </a:r>
+            <a:r>
+              <a:rPr lang="de-AT" sz="2400" dirty="0" err="1" smtClean="0"/>
+              <a:t>reject</a:t>
+            </a:r>
+            <a:r>
+              <a:rPr lang="de-AT" sz="2400" dirty="0" smtClean="0"/>
+              <a:t> </a:t>
+            </a:r>
+            <a:r>
+              <a:rPr lang="de-AT" sz="2400" dirty="0" err="1" smtClean="0"/>
+              <a:t>reviews</a:t>
+            </a:r>
+            <a:r>
+              <a:rPr lang="de-AT" sz="2400" dirty="0" smtClean="0"/>
+              <a:t>)</a:t>
+            </a:r>
+            <a:endParaRPr lang="de-AT" sz="2400" dirty="0" smtClean="0"/>
+          </a:p>
+          <a:p>
+            <a:pPr>
+              <a:buFont typeface="Arial" panose="020B0604020202020204" pitchFamily="34" charset="0"/>
+              <a:buChar char="•"/>
+            </a:pPr>
+            <a:r>
+              <a:rPr lang="de-AT" sz="2400" dirty="0"/>
+              <a:t> </a:t>
+            </a:r>
+            <a:r>
+              <a:rPr lang="de-AT" sz="2400" dirty="0" smtClean="0"/>
+              <a:t>Reviews </a:t>
+            </a:r>
+            <a:r>
+              <a:rPr lang="de-AT" sz="2400" dirty="0" err="1" smtClean="0"/>
+              <a:t>for</a:t>
+            </a:r>
+            <a:r>
+              <a:rPr lang="de-AT" sz="2400" dirty="0" smtClean="0"/>
+              <a:t> </a:t>
+            </a:r>
+            <a:r>
+              <a:rPr lang="de-AT" sz="2400" dirty="0" err="1" smtClean="0"/>
+              <a:t>tutors</a:t>
+            </a:r>
+            <a:endParaRPr lang="de-AT" sz="2400" dirty="0" smtClean="0"/>
+          </a:p>
+          <a:p>
+            <a:pPr marL="0" indent="0">
+              <a:buNone/>
             </a:pPr>
             <a:endParaRPr lang="de-AT" sz="2400" dirty="0" smtClean="0"/>
           </a:p>
@@ -5522,6 +5666,13 @@
   <p:clrMapOvr>
     <a:masterClrMapping/>
   </p:clrMapOvr>
+  <p:timing>
+    <p:tnLst>
+      <p:par>
+        <p:cTn id="1" dur="indefinite" restart="never" nodeType="tmRoot"/>
+      </p:par>
+    </p:tnLst>
+  </p:timing>
 </p:sld>
 </file>
 
@@ -5655,6 +5806,13 @@
   <p:clrMapOvr>
     <a:masterClrMapping/>
   </p:clrMapOvr>
+  <p:timing>
+    <p:tnLst>
+      <p:par>
+        <p:cTn id="1" dur="indefinite" restart="never" nodeType="tmRoot"/>
+      </p:par>
+    </p:tnLst>
+  </p:timing>
 </p:sld>
 </file>
 
